--- a/05-CrDyn/Pictures/RelaxDark.pptx
+++ b/05-CrDyn/Pictures/RelaxDark.pptx
@@ -4,17 +4,20 @@
   <p:sldMasterIdLst>
     <p:sldMasterId id="2147483648" r:id="rId1"/>
   </p:sldMasterIdLst>
+  <p:notesMasterIdLst>
+    <p:notesMasterId r:id="rId3"/>
+  </p:notesMasterIdLst>
   <p:sldIdLst>
     <p:sldId id="256" r:id="rId2"/>
   </p:sldIdLst>
-  <p:sldSz cx="7848600" cy="4392613"/>
-  <p:notesSz cx="6858000" cy="9144000"/>
+  <p:sldSz cx="6121400" cy="3600450"/>
+  <p:notesSz cx="7099300" cy="10234613"/>
   <p:defaultTextStyle>
     <a:defPPr>
-      <a:defRPr lang="fr-FR"/>
+      <a:defRPr lang="en-US"/>
     </a:defPPr>
-    <a:lvl1pPr marL="0" algn="l" defTabSz="668609" rtl="0" eaLnBrk="1" latinLnBrk="0" hangingPunct="1">
-      <a:defRPr sz="1300" kern="1200">
+    <a:lvl1pPr marL="0" algn="l" defTabSz="596646" rtl="0" eaLnBrk="1" latinLnBrk="0" hangingPunct="1">
+      <a:defRPr sz="1200" kern="1200">
         <a:solidFill>
           <a:schemeClr val="tx1"/>
         </a:solidFill>
@@ -23,8 +26,8 @@
         <a:cs typeface="+mn-cs"/>
       </a:defRPr>
     </a:lvl1pPr>
-    <a:lvl2pPr marL="334305" algn="l" defTabSz="668609" rtl="0" eaLnBrk="1" latinLnBrk="0" hangingPunct="1">
-      <a:defRPr sz="1300" kern="1200">
+    <a:lvl2pPr marL="298323" algn="l" defTabSz="596646" rtl="0" eaLnBrk="1" latinLnBrk="0" hangingPunct="1">
+      <a:defRPr sz="1200" kern="1200">
         <a:solidFill>
           <a:schemeClr val="tx1"/>
         </a:solidFill>
@@ -33,8 +36,8 @@
         <a:cs typeface="+mn-cs"/>
       </a:defRPr>
     </a:lvl2pPr>
-    <a:lvl3pPr marL="668609" algn="l" defTabSz="668609" rtl="0" eaLnBrk="1" latinLnBrk="0" hangingPunct="1">
-      <a:defRPr sz="1300" kern="1200">
+    <a:lvl3pPr marL="596646" algn="l" defTabSz="596646" rtl="0" eaLnBrk="1" latinLnBrk="0" hangingPunct="1">
+      <a:defRPr sz="1200" kern="1200">
         <a:solidFill>
           <a:schemeClr val="tx1"/>
         </a:solidFill>
@@ -43,8 +46,8 @@
         <a:cs typeface="+mn-cs"/>
       </a:defRPr>
     </a:lvl3pPr>
-    <a:lvl4pPr marL="1002914" algn="l" defTabSz="668609" rtl="0" eaLnBrk="1" latinLnBrk="0" hangingPunct="1">
-      <a:defRPr sz="1300" kern="1200">
+    <a:lvl4pPr marL="894969" algn="l" defTabSz="596646" rtl="0" eaLnBrk="1" latinLnBrk="0" hangingPunct="1">
+      <a:defRPr sz="1200" kern="1200">
         <a:solidFill>
           <a:schemeClr val="tx1"/>
         </a:solidFill>
@@ -53,8 +56,8 @@
         <a:cs typeface="+mn-cs"/>
       </a:defRPr>
     </a:lvl4pPr>
-    <a:lvl5pPr marL="1337219" algn="l" defTabSz="668609" rtl="0" eaLnBrk="1" latinLnBrk="0" hangingPunct="1">
-      <a:defRPr sz="1300" kern="1200">
+    <a:lvl5pPr marL="1193292" algn="l" defTabSz="596646" rtl="0" eaLnBrk="1" latinLnBrk="0" hangingPunct="1">
+      <a:defRPr sz="1200" kern="1200">
         <a:solidFill>
           <a:schemeClr val="tx1"/>
         </a:solidFill>
@@ -63,8 +66,8 @@
         <a:cs typeface="+mn-cs"/>
       </a:defRPr>
     </a:lvl5pPr>
-    <a:lvl6pPr marL="1671523" algn="l" defTabSz="668609" rtl="0" eaLnBrk="1" latinLnBrk="0" hangingPunct="1">
-      <a:defRPr sz="1300" kern="1200">
+    <a:lvl6pPr marL="1491615" algn="l" defTabSz="596646" rtl="0" eaLnBrk="1" latinLnBrk="0" hangingPunct="1">
+      <a:defRPr sz="1200" kern="1200">
         <a:solidFill>
           <a:schemeClr val="tx1"/>
         </a:solidFill>
@@ -73,8 +76,8 @@
         <a:cs typeface="+mn-cs"/>
       </a:defRPr>
     </a:lvl6pPr>
-    <a:lvl7pPr marL="2005828" algn="l" defTabSz="668609" rtl="0" eaLnBrk="1" latinLnBrk="0" hangingPunct="1">
-      <a:defRPr sz="1300" kern="1200">
+    <a:lvl7pPr marL="1789938" algn="l" defTabSz="596646" rtl="0" eaLnBrk="1" latinLnBrk="0" hangingPunct="1">
+      <a:defRPr sz="1200" kern="1200">
         <a:solidFill>
           <a:schemeClr val="tx1"/>
         </a:solidFill>
@@ -83,8 +86,8 @@
         <a:cs typeface="+mn-cs"/>
       </a:defRPr>
     </a:lvl7pPr>
-    <a:lvl8pPr marL="2340132" algn="l" defTabSz="668609" rtl="0" eaLnBrk="1" latinLnBrk="0" hangingPunct="1">
-      <a:defRPr sz="1300" kern="1200">
+    <a:lvl8pPr marL="2088261" algn="l" defTabSz="596646" rtl="0" eaLnBrk="1" latinLnBrk="0" hangingPunct="1">
+      <a:defRPr sz="1200" kern="1200">
         <a:solidFill>
           <a:schemeClr val="tx1"/>
         </a:solidFill>
@@ -93,8 +96,8 @@
         <a:cs typeface="+mn-cs"/>
       </a:defRPr>
     </a:lvl8pPr>
-    <a:lvl9pPr marL="2674437" algn="l" defTabSz="668609" rtl="0" eaLnBrk="1" latinLnBrk="0" hangingPunct="1">
-      <a:defRPr sz="1300" kern="1200">
+    <a:lvl9pPr marL="2386584" algn="l" defTabSz="596646" rtl="0" eaLnBrk="1" latinLnBrk="0" hangingPunct="1">
+      <a:defRPr sz="1200" kern="1200">
         <a:solidFill>
           <a:schemeClr val="tx1"/>
         </a:solidFill>
@@ -105,6 +108,445 @@
     </a:lvl9pPr>
   </p:defaultTextStyle>
 </p:presentation>
+</file>
+
+<file path=ppt/notesMasters/notesMaster1.xml><?xml version="1.0" encoding="utf-8"?>
+<p:notesMaster xmlns:a="http://schemas.openxmlformats.org/drawingml/2006/main" xmlns:r="http://schemas.openxmlformats.org/officeDocument/2006/relationships" xmlns:p="http://schemas.openxmlformats.org/presentationml/2006/main">
+  <p:cSld>
+    <p:bg>
+      <p:bgRef idx="1001">
+        <a:schemeClr val="bg1"/>
+      </p:bgRef>
+    </p:bg>
+    <p:spTree>
+      <p:nvGrpSpPr>
+        <p:cNvPr id="1" name=""/>
+        <p:cNvGrpSpPr/>
+        <p:nvPr/>
+      </p:nvGrpSpPr>
+      <p:grpSpPr>
+        <a:xfrm>
+          <a:off x="0" y="0"/>
+          <a:ext cx="0" cy="0"/>
+          <a:chOff x="0" y="0"/>
+          <a:chExt cx="0" cy="0"/>
+        </a:xfrm>
+      </p:grpSpPr>
+      <p:sp>
+        <p:nvSpPr>
+          <p:cNvPr id="2" name="Espace réservé de l'en-tête 1"/>
+          <p:cNvSpPr>
+            <a:spLocks noGrp="1"/>
+          </p:cNvSpPr>
+          <p:nvPr>
+            <p:ph type="hdr" sz="quarter"/>
+          </p:nvPr>
+        </p:nvSpPr>
+        <p:spPr>
+          <a:xfrm>
+            <a:off x="1" y="0"/>
+            <a:ext cx="3076363" cy="511731"/>
+          </a:xfrm>
+          <a:prstGeom prst="rect">
+            <a:avLst/>
+          </a:prstGeom>
+        </p:spPr>
+        <p:txBody>
+          <a:bodyPr vert="horz" lIns="94768" tIns="47384" rIns="94768" bIns="47384" rtlCol="0"/>
+          <a:lstStyle>
+            <a:lvl1pPr algn="l">
+              <a:defRPr sz="1200"/>
+            </a:lvl1pPr>
+          </a:lstStyle>
+          <a:p>
+            <a:endParaRPr lang="en-US"/>
+          </a:p>
+        </p:txBody>
+      </p:sp>
+      <p:sp>
+        <p:nvSpPr>
+          <p:cNvPr id="3" name="Espace réservé de la date 2"/>
+          <p:cNvSpPr>
+            <a:spLocks noGrp="1"/>
+          </p:cNvSpPr>
+          <p:nvPr>
+            <p:ph type="dt" idx="1"/>
+          </p:nvPr>
+        </p:nvSpPr>
+        <p:spPr>
+          <a:xfrm>
+            <a:off x="4021295" y="0"/>
+            <a:ext cx="3076363" cy="511731"/>
+          </a:xfrm>
+          <a:prstGeom prst="rect">
+            <a:avLst/>
+          </a:prstGeom>
+        </p:spPr>
+        <p:txBody>
+          <a:bodyPr vert="horz" lIns="94768" tIns="47384" rIns="94768" bIns="47384" rtlCol="0"/>
+          <a:lstStyle>
+            <a:lvl1pPr algn="r">
+              <a:defRPr sz="1200"/>
+            </a:lvl1pPr>
+          </a:lstStyle>
+          <a:p>
+            <a:fld id="{846E01DE-34E9-49ED-964F-82AFB8FEED8D}" type="datetimeFigureOut">
+              <a:rPr lang="en-US" smtClean="0"/>
+              <a:t>6/22/2017</a:t>
+            </a:fld>
+            <a:endParaRPr lang="en-US"/>
+          </a:p>
+        </p:txBody>
+      </p:sp>
+      <p:sp>
+        <p:nvSpPr>
+          <p:cNvPr id="4" name="Espace réservé de l'image des diapositives 3"/>
+          <p:cNvSpPr>
+            <a:spLocks noGrp="1" noRot="1" noChangeAspect="1"/>
+          </p:cNvSpPr>
+          <p:nvPr>
+            <p:ph type="sldImg" idx="2"/>
+          </p:nvPr>
+        </p:nvSpPr>
+        <p:spPr>
+          <a:xfrm>
+            <a:off x="287338" y="768350"/>
+            <a:ext cx="6524625" cy="3836988"/>
+          </a:xfrm>
+          <a:prstGeom prst="rect">
+            <a:avLst/>
+          </a:prstGeom>
+          <a:noFill/>
+          <a:ln w="12700">
+            <a:solidFill>
+              <a:prstClr val="black"/>
+            </a:solidFill>
+          </a:ln>
+        </p:spPr>
+        <p:txBody>
+          <a:bodyPr vert="horz" lIns="94768" tIns="47384" rIns="94768" bIns="47384" rtlCol="0" anchor="ctr"/>
+          <a:lstStyle/>
+          <a:p>
+            <a:endParaRPr lang="en-US"/>
+          </a:p>
+        </p:txBody>
+      </p:sp>
+      <p:sp>
+        <p:nvSpPr>
+          <p:cNvPr id="5" name="Espace réservé des commentaires 4"/>
+          <p:cNvSpPr>
+            <a:spLocks noGrp="1"/>
+          </p:cNvSpPr>
+          <p:nvPr>
+            <p:ph type="body" sz="quarter" idx="3"/>
+          </p:nvPr>
+        </p:nvSpPr>
+        <p:spPr>
+          <a:xfrm>
+            <a:off x="709931" y="4861442"/>
+            <a:ext cx="5679440" cy="4605576"/>
+          </a:xfrm>
+          <a:prstGeom prst="rect">
+            <a:avLst/>
+          </a:prstGeom>
+        </p:spPr>
+        <p:txBody>
+          <a:bodyPr vert="horz" lIns="94768" tIns="47384" rIns="94768" bIns="47384" rtlCol="0"/>
+          <a:lstStyle/>
+          <a:p>
+            <a:pPr lvl="0"/>
+            <a:r>
+              <a:rPr lang="fr-FR" smtClean="0"/>
+              <a:t>Modifiez les styles du texte du masque</a:t>
+            </a:r>
+          </a:p>
+          <a:p>
+            <a:pPr lvl="1"/>
+            <a:r>
+              <a:rPr lang="fr-FR" smtClean="0"/>
+              <a:t>Deuxième niveau</a:t>
+            </a:r>
+          </a:p>
+          <a:p>
+            <a:pPr lvl="2"/>
+            <a:r>
+              <a:rPr lang="fr-FR" smtClean="0"/>
+              <a:t>Troisième niveau</a:t>
+            </a:r>
+          </a:p>
+          <a:p>
+            <a:pPr lvl="3"/>
+            <a:r>
+              <a:rPr lang="fr-FR" smtClean="0"/>
+              <a:t>Quatrième niveau</a:t>
+            </a:r>
+          </a:p>
+          <a:p>
+            <a:pPr lvl="4"/>
+            <a:r>
+              <a:rPr lang="fr-FR" smtClean="0"/>
+              <a:t>Cinquième niveau</a:t>
+            </a:r>
+            <a:endParaRPr lang="en-US"/>
+          </a:p>
+        </p:txBody>
+      </p:sp>
+      <p:sp>
+        <p:nvSpPr>
+          <p:cNvPr id="6" name="Espace réservé du pied de page 5"/>
+          <p:cNvSpPr>
+            <a:spLocks noGrp="1"/>
+          </p:cNvSpPr>
+          <p:nvPr>
+            <p:ph type="ftr" sz="quarter" idx="4"/>
+          </p:nvPr>
+        </p:nvSpPr>
+        <p:spPr>
+          <a:xfrm>
+            <a:off x="1" y="9721106"/>
+            <a:ext cx="3076363" cy="511731"/>
+          </a:xfrm>
+          <a:prstGeom prst="rect">
+            <a:avLst/>
+          </a:prstGeom>
+        </p:spPr>
+        <p:txBody>
+          <a:bodyPr vert="horz" lIns="94768" tIns="47384" rIns="94768" bIns="47384" rtlCol="0" anchor="b"/>
+          <a:lstStyle>
+            <a:lvl1pPr algn="l">
+              <a:defRPr sz="1200"/>
+            </a:lvl1pPr>
+          </a:lstStyle>
+          <a:p>
+            <a:endParaRPr lang="en-US"/>
+          </a:p>
+        </p:txBody>
+      </p:sp>
+      <p:sp>
+        <p:nvSpPr>
+          <p:cNvPr id="7" name="Espace réservé du numéro de diapositive 6"/>
+          <p:cNvSpPr>
+            <a:spLocks noGrp="1"/>
+          </p:cNvSpPr>
+          <p:nvPr>
+            <p:ph type="sldNum" sz="quarter" idx="5"/>
+          </p:nvPr>
+        </p:nvSpPr>
+        <p:spPr>
+          <a:xfrm>
+            <a:off x="4021295" y="9721106"/>
+            <a:ext cx="3076363" cy="511731"/>
+          </a:xfrm>
+          <a:prstGeom prst="rect">
+            <a:avLst/>
+          </a:prstGeom>
+        </p:spPr>
+        <p:txBody>
+          <a:bodyPr vert="horz" lIns="94768" tIns="47384" rIns="94768" bIns="47384" rtlCol="0" anchor="b"/>
+          <a:lstStyle>
+            <a:lvl1pPr algn="r">
+              <a:defRPr sz="1200"/>
+            </a:lvl1pPr>
+          </a:lstStyle>
+          <a:p>
+            <a:fld id="{B4FE696A-DA9E-4985-AB7B-8E4E527A9189}" type="slidenum">
+              <a:rPr lang="en-US" smtClean="0"/>
+              <a:t>‹N°›</a:t>
+            </a:fld>
+            <a:endParaRPr lang="en-US"/>
+          </a:p>
+        </p:txBody>
+      </p:sp>
+    </p:spTree>
+    <p:extLst>
+      <p:ext uri="{BB962C8B-B14F-4D97-AF65-F5344CB8AC3E}">
+        <p14:creationId xmlns:p14="http://schemas.microsoft.com/office/powerpoint/2010/main" val="203657468"/>
+      </p:ext>
+    </p:extLst>
+  </p:cSld>
+  <p:clrMap bg1="lt1" tx1="dk1" bg2="lt2" tx2="dk2" accent1="accent1" accent2="accent2" accent3="accent3" accent4="accent4" accent5="accent5" accent6="accent6" hlink="hlink" folHlink="folHlink"/>
+  <p:notesStyle>
+    <a:lvl1pPr marL="0" algn="l" defTabSz="596646" rtl="0" eaLnBrk="1" latinLnBrk="0" hangingPunct="1">
+      <a:defRPr sz="800" kern="1200">
+        <a:solidFill>
+          <a:schemeClr val="tx1"/>
+        </a:solidFill>
+        <a:latin typeface="+mn-lt"/>
+        <a:ea typeface="+mn-ea"/>
+        <a:cs typeface="+mn-cs"/>
+      </a:defRPr>
+    </a:lvl1pPr>
+    <a:lvl2pPr marL="298323" algn="l" defTabSz="596646" rtl="0" eaLnBrk="1" latinLnBrk="0" hangingPunct="1">
+      <a:defRPr sz="800" kern="1200">
+        <a:solidFill>
+          <a:schemeClr val="tx1"/>
+        </a:solidFill>
+        <a:latin typeface="+mn-lt"/>
+        <a:ea typeface="+mn-ea"/>
+        <a:cs typeface="+mn-cs"/>
+      </a:defRPr>
+    </a:lvl2pPr>
+    <a:lvl3pPr marL="596646" algn="l" defTabSz="596646" rtl="0" eaLnBrk="1" latinLnBrk="0" hangingPunct="1">
+      <a:defRPr sz="800" kern="1200">
+        <a:solidFill>
+          <a:schemeClr val="tx1"/>
+        </a:solidFill>
+        <a:latin typeface="+mn-lt"/>
+        <a:ea typeface="+mn-ea"/>
+        <a:cs typeface="+mn-cs"/>
+      </a:defRPr>
+    </a:lvl3pPr>
+    <a:lvl4pPr marL="894969" algn="l" defTabSz="596646" rtl="0" eaLnBrk="1" latinLnBrk="0" hangingPunct="1">
+      <a:defRPr sz="800" kern="1200">
+        <a:solidFill>
+          <a:schemeClr val="tx1"/>
+        </a:solidFill>
+        <a:latin typeface="+mn-lt"/>
+        <a:ea typeface="+mn-ea"/>
+        <a:cs typeface="+mn-cs"/>
+      </a:defRPr>
+    </a:lvl4pPr>
+    <a:lvl5pPr marL="1193292" algn="l" defTabSz="596646" rtl="0" eaLnBrk="1" latinLnBrk="0" hangingPunct="1">
+      <a:defRPr sz="800" kern="1200">
+        <a:solidFill>
+          <a:schemeClr val="tx1"/>
+        </a:solidFill>
+        <a:latin typeface="+mn-lt"/>
+        <a:ea typeface="+mn-ea"/>
+        <a:cs typeface="+mn-cs"/>
+      </a:defRPr>
+    </a:lvl5pPr>
+    <a:lvl6pPr marL="1491615" algn="l" defTabSz="596646" rtl="0" eaLnBrk="1" latinLnBrk="0" hangingPunct="1">
+      <a:defRPr sz="800" kern="1200">
+        <a:solidFill>
+          <a:schemeClr val="tx1"/>
+        </a:solidFill>
+        <a:latin typeface="+mn-lt"/>
+        <a:ea typeface="+mn-ea"/>
+        <a:cs typeface="+mn-cs"/>
+      </a:defRPr>
+    </a:lvl6pPr>
+    <a:lvl7pPr marL="1789938" algn="l" defTabSz="596646" rtl="0" eaLnBrk="1" latinLnBrk="0" hangingPunct="1">
+      <a:defRPr sz="800" kern="1200">
+        <a:solidFill>
+          <a:schemeClr val="tx1"/>
+        </a:solidFill>
+        <a:latin typeface="+mn-lt"/>
+        <a:ea typeface="+mn-ea"/>
+        <a:cs typeface="+mn-cs"/>
+      </a:defRPr>
+    </a:lvl7pPr>
+    <a:lvl8pPr marL="2088261" algn="l" defTabSz="596646" rtl="0" eaLnBrk="1" latinLnBrk="0" hangingPunct="1">
+      <a:defRPr sz="800" kern="1200">
+        <a:solidFill>
+          <a:schemeClr val="tx1"/>
+        </a:solidFill>
+        <a:latin typeface="+mn-lt"/>
+        <a:ea typeface="+mn-ea"/>
+        <a:cs typeface="+mn-cs"/>
+      </a:defRPr>
+    </a:lvl8pPr>
+    <a:lvl9pPr marL="2386584" algn="l" defTabSz="596646" rtl="0" eaLnBrk="1" latinLnBrk="0" hangingPunct="1">
+      <a:defRPr sz="800" kern="1200">
+        <a:solidFill>
+          <a:schemeClr val="tx1"/>
+        </a:solidFill>
+        <a:latin typeface="+mn-lt"/>
+        <a:ea typeface="+mn-ea"/>
+        <a:cs typeface="+mn-cs"/>
+      </a:defRPr>
+    </a:lvl9pPr>
+  </p:notesStyle>
+</p:notesMaster>
+</file>
+
+<file path=ppt/notesSlides/notesSlide1.xml><?xml version="1.0" encoding="utf-8"?>
+<p:notes xmlns:a="http://schemas.openxmlformats.org/drawingml/2006/main" xmlns:r="http://schemas.openxmlformats.org/officeDocument/2006/relationships" xmlns:p="http://schemas.openxmlformats.org/presentationml/2006/main">
+  <p:cSld>
+    <p:spTree>
+      <p:nvGrpSpPr>
+        <p:cNvPr id="1" name=""/>
+        <p:cNvGrpSpPr/>
+        <p:nvPr/>
+      </p:nvGrpSpPr>
+      <p:grpSpPr>
+        <a:xfrm>
+          <a:off x="0" y="0"/>
+          <a:ext cx="0" cy="0"/>
+          <a:chOff x="0" y="0"/>
+          <a:chExt cx="0" cy="0"/>
+        </a:xfrm>
+      </p:grpSpPr>
+      <p:sp>
+        <p:nvSpPr>
+          <p:cNvPr id="2" name="Espace réservé de l'image des diapositives 1"/>
+          <p:cNvSpPr>
+            <a:spLocks noGrp="1" noRot="1" noChangeAspect="1"/>
+          </p:cNvSpPr>
+          <p:nvPr>
+            <p:ph type="sldImg"/>
+          </p:nvPr>
+        </p:nvSpPr>
+        <p:spPr>
+          <a:xfrm>
+            <a:off x="287338" y="768350"/>
+            <a:ext cx="6524625" cy="3836988"/>
+          </a:xfrm>
+        </p:spPr>
+      </p:sp>
+      <p:sp>
+        <p:nvSpPr>
+          <p:cNvPr id="3" name="Espace réservé des commentaires 2"/>
+          <p:cNvSpPr>
+            <a:spLocks noGrp="1"/>
+          </p:cNvSpPr>
+          <p:nvPr>
+            <p:ph type="body" idx="1"/>
+          </p:nvPr>
+        </p:nvSpPr>
+        <p:spPr/>
+        <p:txBody>
+          <a:bodyPr/>
+          <a:lstStyle/>
+          <a:p>
+            <a:endParaRPr lang="en-US" dirty="0"/>
+          </a:p>
+        </p:txBody>
+      </p:sp>
+      <p:sp>
+        <p:nvSpPr>
+          <p:cNvPr id="4" name="Espace réservé du numéro de diapositive 3"/>
+          <p:cNvSpPr>
+            <a:spLocks noGrp="1"/>
+          </p:cNvSpPr>
+          <p:nvPr>
+            <p:ph type="sldNum" sz="quarter" idx="10"/>
+          </p:nvPr>
+        </p:nvSpPr>
+        <p:spPr/>
+        <p:txBody>
+          <a:bodyPr/>
+          <a:lstStyle/>
+          <a:p>
+            <a:fld id="{B4FE696A-DA9E-4985-AB7B-8E4E527A9189}" type="slidenum">
+              <a:rPr lang="en-US" smtClean="0"/>
+              <a:t>1</a:t>
+            </a:fld>
+            <a:endParaRPr lang="en-US"/>
+          </a:p>
+        </p:txBody>
+      </p:sp>
+    </p:spTree>
+    <p:extLst>
+      <p:ext uri="{BB962C8B-B14F-4D97-AF65-F5344CB8AC3E}">
+        <p14:creationId xmlns:p14="http://schemas.microsoft.com/office/powerpoint/2010/main" val="2344316731"/>
+      </p:ext>
+    </p:extLst>
+  </p:cSld>
+  <p:clrMapOvr>
+    <a:masterClrMapping/>
+  </p:clrMapOvr>
+</p:notes>
 </file>
 
 <file path=ppt/slideLayouts/slideLayout1.xml><?xml version="1.0" encoding="utf-8"?>
@@ -136,8 +578,8 @@
         </p:nvSpPr>
         <p:spPr>
           <a:xfrm>
-            <a:off x="588647" y="1364558"/>
-            <a:ext cx="6671309" cy="941565"/>
+            <a:off x="459105" y="1118477"/>
+            <a:ext cx="5203190" cy="771763"/>
           </a:xfrm>
         </p:spPr>
         <p:txBody>
@@ -148,7 +590,7 @@
               <a:rPr lang="fr-FR" smtClean="0"/>
               <a:t>Modifiez le style du titre</a:t>
             </a:r>
-            <a:endParaRPr lang="fr-FR"/>
+            <a:endParaRPr lang="en-US"/>
           </a:p>
         </p:txBody>
       </p:sp>
@@ -164,8 +606,8 @@
         </p:nvSpPr>
         <p:spPr>
           <a:xfrm>
-            <a:off x="1177291" y="2489148"/>
-            <a:ext cx="5494020" cy="1122556"/>
+            <a:off x="918211" y="2040258"/>
+            <a:ext cx="4284980" cy="920115"/>
           </a:xfrm>
         </p:spPr>
         <p:txBody>
@@ -181,7 +623,7 @@
                 </a:solidFill>
               </a:defRPr>
             </a:lvl1pPr>
-            <a:lvl2pPr marL="334305" indent="0" algn="ctr">
+            <a:lvl2pPr marL="298323" indent="0" algn="ctr">
               <a:buNone/>
               <a:defRPr>
                 <a:solidFill>
@@ -191,7 +633,7 @@
                 </a:solidFill>
               </a:defRPr>
             </a:lvl2pPr>
-            <a:lvl3pPr marL="668609" indent="0" algn="ctr">
+            <a:lvl3pPr marL="596646" indent="0" algn="ctr">
               <a:buNone/>
               <a:defRPr>
                 <a:solidFill>
@@ -201,7 +643,7 @@
                 </a:solidFill>
               </a:defRPr>
             </a:lvl3pPr>
-            <a:lvl4pPr marL="1002914" indent="0" algn="ctr">
+            <a:lvl4pPr marL="894969" indent="0" algn="ctr">
               <a:buNone/>
               <a:defRPr>
                 <a:solidFill>
@@ -211,7 +653,7 @@
                 </a:solidFill>
               </a:defRPr>
             </a:lvl4pPr>
-            <a:lvl5pPr marL="1337219" indent="0" algn="ctr">
+            <a:lvl5pPr marL="1193292" indent="0" algn="ctr">
               <a:buNone/>
               <a:defRPr>
                 <a:solidFill>
@@ -221,7 +663,7 @@
                 </a:solidFill>
               </a:defRPr>
             </a:lvl5pPr>
-            <a:lvl6pPr marL="1671523" indent="0" algn="ctr">
+            <a:lvl6pPr marL="1491615" indent="0" algn="ctr">
               <a:buNone/>
               <a:defRPr>
                 <a:solidFill>
@@ -231,7 +673,7 @@
                 </a:solidFill>
               </a:defRPr>
             </a:lvl6pPr>
-            <a:lvl7pPr marL="2005828" indent="0" algn="ctr">
+            <a:lvl7pPr marL="1789938" indent="0" algn="ctr">
               <a:buNone/>
               <a:defRPr>
                 <a:solidFill>
@@ -241,7 +683,7 @@
                 </a:solidFill>
               </a:defRPr>
             </a:lvl7pPr>
-            <a:lvl8pPr marL="2340132" indent="0" algn="ctr">
+            <a:lvl8pPr marL="2088261" indent="0" algn="ctr">
               <a:buNone/>
               <a:defRPr>
                 <a:solidFill>
@@ -251,7 +693,7 @@
                 </a:solidFill>
               </a:defRPr>
             </a:lvl8pPr>
-            <a:lvl9pPr marL="2674437" indent="0" algn="ctr">
+            <a:lvl9pPr marL="2386584" indent="0" algn="ctr">
               <a:buNone/>
               <a:defRPr>
                 <a:solidFill>
@@ -267,7 +709,7 @@
               <a:rPr lang="fr-FR" smtClean="0"/>
               <a:t>Modifiez le style des sous-titres du masque</a:t>
             </a:r>
-            <a:endParaRPr lang="fr-FR"/>
+            <a:endParaRPr lang="en-US"/>
           </a:p>
         </p:txBody>
       </p:sp>
@@ -286,11 +728,11 @@
           <a:bodyPr/>
           <a:lstStyle/>
           <a:p>
-            <a:fld id="{312E6D23-BB25-4BD9-ADC3-FF09D3F5E422}" type="datetimeFigureOut">
-              <a:rPr lang="fr-FR" smtClean="0"/>
-              <a:t>07/04/2017</a:t>
+            <a:fld id="{E8FDFF63-9793-40E2-8DBC-13016F069603}" type="datetimeFigureOut">
+              <a:rPr lang="en-US" smtClean="0"/>
+              <a:t>6/22/2017</a:t>
             </a:fld>
-            <a:endParaRPr lang="fr-FR"/>
+            <a:endParaRPr lang="en-US"/>
           </a:p>
         </p:txBody>
       </p:sp>
@@ -309,7 +751,7 @@
           <a:bodyPr/>
           <a:lstStyle/>
           <a:p>
-            <a:endParaRPr lang="fr-FR"/>
+            <a:endParaRPr lang="en-US"/>
           </a:p>
         </p:txBody>
       </p:sp>
@@ -328,18 +770,18 @@
           <a:bodyPr/>
           <a:lstStyle/>
           <a:p>
-            <a:fld id="{F1F184C3-949B-4CDA-A930-646DE69B5AFB}" type="slidenum">
-              <a:rPr lang="fr-FR" smtClean="0"/>
+            <a:fld id="{918781F0-7AA1-4B0D-8E17-235B1E5A9496}" type="slidenum">
+              <a:rPr lang="en-US" smtClean="0"/>
               <a:t>‹N°›</a:t>
             </a:fld>
-            <a:endParaRPr lang="fr-FR"/>
+            <a:endParaRPr lang="en-US"/>
           </a:p>
         </p:txBody>
       </p:sp>
     </p:spTree>
     <p:extLst>
       <p:ext uri="{BB962C8B-B14F-4D97-AF65-F5344CB8AC3E}">
-        <p14:creationId xmlns:p14="http://schemas.microsoft.com/office/powerpoint/2010/main" val="3670786224"/>
+        <p14:creationId xmlns:p14="http://schemas.microsoft.com/office/powerpoint/2010/main" val="2809891528"/>
       </p:ext>
     </p:extLst>
   </p:cSld>
@@ -385,7 +827,7 @@
               <a:rPr lang="fr-FR" smtClean="0"/>
               <a:t>Modifiez le style du titre</a:t>
             </a:r>
-            <a:endParaRPr lang="fr-FR"/>
+            <a:endParaRPr lang="en-US"/>
           </a:p>
         </p:txBody>
       </p:sp>
@@ -437,7 +879,7 @@
               <a:rPr lang="fr-FR" smtClean="0"/>
               <a:t>Cinquième niveau</a:t>
             </a:r>
-            <a:endParaRPr lang="fr-FR"/>
+            <a:endParaRPr lang="en-US"/>
           </a:p>
         </p:txBody>
       </p:sp>
@@ -456,11 +898,11 @@
           <a:bodyPr/>
           <a:lstStyle/>
           <a:p>
-            <a:fld id="{312E6D23-BB25-4BD9-ADC3-FF09D3F5E422}" type="datetimeFigureOut">
-              <a:rPr lang="fr-FR" smtClean="0"/>
-              <a:t>07/04/2017</a:t>
+            <a:fld id="{E8FDFF63-9793-40E2-8DBC-13016F069603}" type="datetimeFigureOut">
+              <a:rPr lang="en-US" smtClean="0"/>
+              <a:t>6/22/2017</a:t>
             </a:fld>
-            <a:endParaRPr lang="fr-FR"/>
+            <a:endParaRPr lang="en-US"/>
           </a:p>
         </p:txBody>
       </p:sp>
@@ -479,7 +921,7 @@
           <a:bodyPr/>
           <a:lstStyle/>
           <a:p>
-            <a:endParaRPr lang="fr-FR"/>
+            <a:endParaRPr lang="en-US"/>
           </a:p>
         </p:txBody>
       </p:sp>
@@ -498,18 +940,18 @@
           <a:bodyPr/>
           <a:lstStyle/>
           <a:p>
-            <a:fld id="{F1F184C3-949B-4CDA-A930-646DE69B5AFB}" type="slidenum">
-              <a:rPr lang="fr-FR" smtClean="0"/>
+            <a:fld id="{918781F0-7AA1-4B0D-8E17-235B1E5A9496}" type="slidenum">
+              <a:rPr lang="en-US" smtClean="0"/>
               <a:t>‹N°›</a:t>
             </a:fld>
-            <a:endParaRPr lang="fr-FR"/>
+            <a:endParaRPr lang="en-US"/>
           </a:p>
         </p:txBody>
       </p:sp>
     </p:spTree>
     <p:extLst>
       <p:ext uri="{BB962C8B-B14F-4D97-AF65-F5344CB8AC3E}">
-        <p14:creationId xmlns:p14="http://schemas.microsoft.com/office/powerpoint/2010/main" val="1565325157"/>
+        <p14:creationId xmlns:p14="http://schemas.microsoft.com/office/powerpoint/2010/main" val="1085708519"/>
       </p:ext>
     </p:extLst>
   </p:cSld>
@@ -548,8 +990,8 @@
         </p:nvSpPr>
         <p:spPr>
           <a:xfrm>
-            <a:off x="4481608" y="115917"/>
-            <a:ext cx="1389855" cy="2458643"/>
+            <a:off x="4438018" y="144189"/>
+            <a:ext cx="1377314" cy="3072051"/>
           </a:xfrm>
         </p:spPr>
         <p:txBody>
@@ -560,7 +1002,7 @@
               <a:rPr lang="fr-FR" smtClean="0"/>
               <a:t>Modifiez le style du titre</a:t>
             </a:r>
-            <a:endParaRPr lang="fr-FR"/>
+            <a:endParaRPr lang="en-US"/>
           </a:p>
         </p:txBody>
       </p:sp>
@@ -576,8 +1018,8 @@
         </p:nvSpPr>
         <p:spPr>
           <a:xfrm>
-            <a:off x="309312" y="115917"/>
-            <a:ext cx="4041483" cy="2458643"/>
+            <a:off x="306070" y="144189"/>
+            <a:ext cx="4029923" cy="3072051"/>
           </a:xfrm>
         </p:spPr>
         <p:txBody>
@@ -617,7 +1059,7 @@
               <a:rPr lang="fr-FR" smtClean="0"/>
               <a:t>Cinquième niveau</a:t>
             </a:r>
-            <a:endParaRPr lang="fr-FR"/>
+            <a:endParaRPr lang="en-US"/>
           </a:p>
         </p:txBody>
       </p:sp>
@@ -636,11 +1078,11 @@
           <a:bodyPr/>
           <a:lstStyle/>
           <a:p>
-            <a:fld id="{312E6D23-BB25-4BD9-ADC3-FF09D3F5E422}" type="datetimeFigureOut">
-              <a:rPr lang="fr-FR" smtClean="0"/>
-              <a:t>07/04/2017</a:t>
+            <a:fld id="{E8FDFF63-9793-40E2-8DBC-13016F069603}" type="datetimeFigureOut">
+              <a:rPr lang="en-US" smtClean="0"/>
+              <a:t>6/22/2017</a:t>
             </a:fld>
-            <a:endParaRPr lang="fr-FR"/>
+            <a:endParaRPr lang="en-US"/>
           </a:p>
         </p:txBody>
       </p:sp>
@@ -659,7 +1101,7 @@
           <a:bodyPr/>
           <a:lstStyle/>
           <a:p>
-            <a:endParaRPr lang="fr-FR"/>
+            <a:endParaRPr lang="en-US"/>
           </a:p>
         </p:txBody>
       </p:sp>
@@ -678,18 +1120,18 @@
           <a:bodyPr/>
           <a:lstStyle/>
           <a:p>
-            <a:fld id="{F1F184C3-949B-4CDA-A930-646DE69B5AFB}" type="slidenum">
-              <a:rPr lang="fr-FR" smtClean="0"/>
+            <a:fld id="{918781F0-7AA1-4B0D-8E17-235B1E5A9496}" type="slidenum">
+              <a:rPr lang="en-US" smtClean="0"/>
               <a:t>‹N°›</a:t>
             </a:fld>
-            <a:endParaRPr lang="fr-FR"/>
+            <a:endParaRPr lang="en-US"/>
           </a:p>
         </p:txBody>
       </p:sp>
     </p:spTree>
     <p:extLst>
       <p:ext uri="{BB962C8B-B14F-4D97-AF65-F5344CB8AC3E}">
-        <p14:creationId xmlns:p14="http://schemas.microsoft.com/office/powerpoint/2010/main" val="3910105525"/>
+        <p14:creationId xmlns:p14="http://schemas.microsoft.com/office/powerpoint/2010/main" val="821102418"/>
       </p:ext>
     </p:extLst>
   </p:cSld>
@@ -735,7 +1177,7 @@
               <a:rPr lang="fr-FR" smtClean="0"/>
               <a:t>Modifiez le style du titre</a:t>
             </a:r>
-            <a:endParaRPr lang="fr-FR"/>
+            <a:endParaRPr lang="en-US"/>
           </a:p>
         </p:txBody>
       </p:sp>
@@ -787,7 +1229,7 @@
               <a:rPr lang="fr-FR" smtClean="0"/>
               <a:t>Cinquième niveau</a:t>
             </a:r>
-            <a:endParaRPr lang="fr-FR"/>
+            <a:endParaRPr lang="en-US"/>
           </a:p>
         </p:txBody>
       </p:sp>
@@ -806,11 +1248,11 @@
           <a:bodyPr/>
           <a:lstStyle/>
           <a:p>
-            <a:fld id="{312E6D23-BB25-4BD9-ADC3-FF09D3F5E422}" type="datetimeFigureOut">
-              <a:rPr lang="fr-FR" smtClean="0"/>
-              <a:t>07/04/2017</a:t>
+            <a:fld id="{E8FDFF63-9793-40E2-8DBC-13016F069603}" type="datetimeFigureOut">
+              <a:rPr lang="en-US" smtClean="0"/>
+              <a:t>6/22/2017</a:t>
             </a:fld>
-            <a:endParaRPr lang="fr-FR"/>
+            <a:endParaRPr lang="en-US"/>
           </a:p>
         </p:txBody>
       </p:sp>
@@ -829,7 +1271,7 @@
           <a:bodyPr/>
           <a:lstStyle/>
           <a:p>
-            <a:endParaRPr lang="fr-FR"/>
+            <a:endParaRPr lang="en-US"/>
           </a:p>
         </p:txBody>
       </p:sp>
@@ -848,18 +1290,18 @@
           <a:bodyPr/>
           <a:lstStyle/>
           <a:p>
-            <a:fld id="{F1F184C3-949B-4CDA-A930-646DE69B5AFB}" type="slidenum">
-              <a:rPr lang="fr-FR" smtClean="0"/>
+            <a:fld id="{918781F0-7AA1-4B0D-8E17-235B1E5A9496}" type="slidenum">
+              <a:rPr lang="en-US" smtClean="0"/>
               <a:t>‹N°›</a:t>
             </a:fld>
-            <a:endParaRPr lang="fr-FR"/>
+            <a:endParaRPr lang="en-US"/>
           </a:p>
         </p:txBody>
       </p:sp>
     </p:spTree>
     <p:extLst>
       <p:ext uri="{BB962C8B-B14F-4D97-AF65-F5344CB8AC3E}">
-        <p14:creationId xmlns:p14="http://schemas.microsoft.com/office/powerpoint/2010/main" val="46274413"/>
+        <p14:creationId xmlns:p14="http://schemas.microsoft.com/office/powerpoint/2010/main" val="2837272423"/>
       </p:ext>
     </p:extLst>
   </p:cSld>
@@ -898,15 +1340,15 @@
         </p:nvSpPr>
         <p:spPr>
           <a:xfrm>
-            <a:off x="619987" y="2822661"/>
-            <a:ext cx="6671309" cy="872422"/>
+            <a:off x="483550" y="2313627"/>
+            <a:ext cx="5203190" cy="715089"/>
           </a:xfrm>
         </p:spPr>
         <p:txBody>
           <a:bodyPr anchor="t"/>
           <a:lstStyle>
             <a:lvl1pPr algn="l">
-              <a:defRPr sz="2900" b="1" cap="all"/>
+              <a:defRPr sz="2600" b="1" cap="all"/>
             </a:lvl1pPr>
           </a:lstStyle>
           <a:p>
@@ -914,7 +1356,7 @@
               <a:rPr lang="fr-FR" smtClean="0"/>
               <a:t>Modifiez le style du titre</a:t>
             </a:r>
-            <a:endParaRPr lang="fr-FR"/>
+            <a:endParaRPr lang="en-US"/>
           </a:p>
         </p:txBody>
       </p:sp>
@@ -930,8 +1372,8 @@
         </p:nvSpPr>
         <p:spPr>
           <a:xfrm>
-            <a:off x="619987" y="1861778"/>
-            <a:ext cx="6671309" cy="960884"/>
+            <a:off x="483550" y="1526026"/>
+            <a:ext cx="5203190" cy="787598"/>
           </a:xfrm>
         </p:spPr>
         <p:txBody>
@@ -939,7 +1381,7 @@
           <a:lstStyle>
             <a:lvl1pPr marL="0" indent="0">
               <a:buNone/>
-              <a:defRPr sz="1500">
+              <a:defRPr sz="1300">
                 <a:solidFill>
                   <a:schemeClr val="tx1">
                     <a:tint val="75000"/>
@@ -947,9 +1389,9 @@
                 </a:solidFill>
               </a:defRPr>
             </a:lvl1pPr>
-            <a:lvl2pPr marL="334305" indent="0">
-              <a:buNone/>
-              <a:defRPr sz="1300">
+            <a:lvl2pPr marL="298323" indent="0">
+              <a:buNone/>
+              <a:defRPr sz="1200">
                 <a:solidFill>
                   <a:schemeClr val="tx1">
                     <a:tint val="75000"/>
@@ -957,9 +1399,9 @@
                 </a:solidFill>
               </a:defRPr>
             </a:lvl2pPr>
-            <a:lvl3pPr marL="668609" indent="0">
-              <a:buNone/>
-              <a:defRPr sz="1200">
+            <a:lvl3pPr marL="596646" indent="0">
+              <a:buNone/>
+              <a:defRPr sz="1000">
                 <a:solidFill>
                   <a:schemeClr val="tx1">
                     <a:tint val="75000"/>
@@ -967,9 +1409,9 @@
                 </a:solidFill>
               </a:defRPr>
             </a:lvl3pPr>
-            <a:lvl4pPr marL="1002914" indent="0">
-              <a:buNone/>
-              <a:defRPr sz="1000">
+            <a:lvl4pPr marL="894969" indent="0">
+              <a:buNone/>
+              <a:defRPr sz="900">
                 <a:solidFill>
                   <a:schemeClr val="tx1">
                     <a:tint val="75000"/>
@@ -977,9 +1419,9 @@
                 </a:solidFill>
               </a:defRPr>
             </a:lvl4pPr>
-            <a:lvl5pPr marL="1337219" indent="0">
-              <a:buNone/>
-              <a:defRPr sz="1000">
+            <a:lvl5pPr marL="1193292" indent="0">
+              <a:buNone/>
+              <a:defRPr sz="900">
                 <a:solidFill>
                   <a:schemeClr val="tx1">
                     <a:tint val="75000"/>
@@ -987,9 +1429,9 @@
                 </a:solidFill>
               </a:defRPr>
             </a:lvl5pPr>
-            <a:lvl6pPr marL="1671523" indent="0">
-              <a:buNone/>
-              <a:defRPr sz="1000">
+            <a:lvl6pPr marL="1491615" indent="0">
+              <a:buNone/>
+              <a:defRPr sz="900">
                 <a:solidFill>
                   <a:schemeClr val="tx1">
                     <a:tint val="75000"/>
@@ -997,9 +1439,9 @@
                 </a:solidFill>
               </a:defRPr>
             </a:lvl6pPr>
-            <a:lvl7pPr marL="2005828" indent="0">
-              <a:buNone/>
-              <a:defRPr sz="1000">
+            <a:lvl7pPr marL="1789938" indent="0">
+              <a:buNone/>
+              <a:defRPr sz="900">
                 <a:solidFill>
                   <a:schemeClr val="tx1">
                     <a:tint val="75000"/>
@@ -1007,9 +1449,9 @@
                 </a:solidFill>
               </a:defRPr>
             </a:lvl7pPr>
-            <a:lvl8pPr marL="2340132" indent="0">
-              <a:buNone/>
-              <a:defRPr sz="1000">
+            <a:lvl8pPr marL="2088261" indent="0">
+              <a:buNone/>
+              <a:defRPr sz="900">
                 <a:solidFill>
                   <a:schemeClr val="tx1">
                     <a:tint val="75000"/>
@@ -1017,9 +1459,9 @@
                 </a:solidFill>
               </a:defRPr>
             </a:lvl8pPr>
-            <a:lvl9pPr marL="2674437" indent="0">
-              <a:buNone/>
-              <a:defRPr sz="1000">
+            <a:lvl9pPr marL="2386584" indent="0">
+              <a:buNone/>
+              <a:defRPr sz="900">
                 <a:solidFill>
                   <a:schemeClr val="tx1">
                     <a:tint val="75000"/>
@@ -1052,11 +1494,11 @@
           <a:bodyPr/>
           <a:lstStyle/>
           <a:p>
-            <a:fld id="{312E6D23-BB25-4BD9-ADC3-FF09D3F5E422}" type="datetimeFigureOut">
-              <a:rPr lang="fr-FR" smtClean="0"/>
-              <a:t>07/04/2017</a:t>
+            <a:fld id="{E8FDFF63-9793-40E2-8DBC-13016F069603}" type="datetimeFigureOut">
+              <a:rPr lang="en-US" smtClean="0"/>
+              <a:t>6/22/2017</a:t>
             </a:fld>
-            <a:endParaRPr lang="fr-FR"/>
+            <a:endParaRPr lang="en-US"/>
           </a:p>
         </p:txBody>
       </p:sp>
@@ -1075,7 +1517,7 @@
           <a:bodyPr/>
           <a:lstStyle/>
           <a:p>
-            <a:endParaRPr lang="fr-FR"/>
+            <a:endParaRPr lang="en-US"/>
           </a:p>
         </p:txBody>
       </p:sp>
@@ -1094,18 +1536,18 @@
           <a:bodyPr/>
           <a:lstStyle/>
           <a:p>
-            <a:fld id="{F1F184C3-949B-4CDA-A930-646DE69B5AFB}" type="slidenum">
-              <a:rPr lang="fr-FR" smtClean="0"/>
+            <a:fld id="{918781F0-7AA1-4B0D-8E17-235B1E5A9496}" type="slidenum">
+              <a:rPr lang="en-US" smtClean="0"/>
               <a:t>‹N°›</a:t>
             </a:fld>
-            <a:endParaRPr lang="fr-FR"/>
+            <a:endParaRPr lang="en-US"/>
           </a:p>
         </p:txBody>
       </p:sp>
     </p:spTree>
     <p:extLst>
       <p:ext uri="{BB962C8B-B14F-4D97-AF65-F5344CB8AC3E}">
-        <p14:creationId xmlns:p14="http://schemas.microsoft.com/office/powerpoint/2010/main" val="2496191151"/>
+        <p14:creationId xmlns:p14="http://schemas.microsoft.com/office/powerpoint/2010/main" val="1641937399"/>
       </p:ext>
     </p:extLst>
   </p:cSld>
@@ -1151,7 +1593,7 @@
               <a:rPr lang="fr-FR" smtClean="0"/>
               <a:t>Modifiez le style du titre</a:t>
             </a:r>
-            <a:endParaRPr lang="fr-FR"/>
+            <a:endParaRPr lang="en-US"/>
           </a:p>
         </p:txBody>
       </p:sp>
@@ -1167,39 +1609,39 @@
         </p:nvSpPr>
         <p:spPr>
           <a:xfrm>
-            <a:off x="309313" y="672112"/>
-            <a:ext cx="2715669" cy="1902449"/>
+            <a:off x="306071" y="840109"/>
+            <a:ext cx="2703618" cy="2376131"/>
           </a:xfrm>
         </p:spPr>
         <p:txBody>
           <a:bodyPr/>
           <a:lstStyle>
             <a:lvl1pPr>
-              <a:defRPr sz="2000"/>
+              <a:defRPr sz="1800"/>
             </a:lvl1pPr>
             <a:lvl2pPr>
-              <a:defRPr sz="1800"/>
+              <a:defRPr sz="1600"/>
             </a:lvl2pPr>
             <a:lvl3pPr>
-              <a:defRPr sz="1500"/>
+              <a:defRPr sz="1300"/>
             </a:lvl3pPr>
             <a:lvl4pPr>
-              <a:defRPr sz="1300"/>
+              <a:defRPr sz="1200"/>
             </a:lvl4pPr>
             <a:lvl5pPr>
-              <a:defRPr sz="1300"/>
+              <a:defRPr sz="1200"/>
             </a:lvl5pPr>
             <a:lvl6pPr>
-              <a:defRPr sz="1300"/>
+              <a:defRPr sz="1200"/>
             </a:lvl6pPr>
             <a:lvl7pPr>
-              <a:defRPr sz="1300"/>
+              <a:defRPr sz="1200"/>
             </a:lvl7pPr>
             <a:lvl8pPr>
-              <a:defRPr sz="1300"/>
+              <a:defRPr sz="1200"/>
             </a:lvl8pPr>
             <a:lvl9pPr>
-              <a:defRPr sz="1300"/>
+              <a:defRPr sz="1200"/>
             </a:lvl9pPr>
           </a:lstStyle>
           <a:p>
@@ -1236,7 +1678,7 @@
               <a:rPr lang="fr-FR" smtClean="0"/>
               <a:t>Cinquième niveau</a:t>
             </a:r>
-            <a:endParaRPr lang="fr-FR"/>
+            <a:endParaRPr lang="en-US"/>
           </a:p>
         </p:txBody>
       </p:sp>
@@ -1252,39 +1694,39 @@
         </p:nvSpPr>
         <p:spPr>
           <a:xfrm>
-            <a:off x="3155792" y="672112"/>
-            <a:ext cx="2715670" cy="1902449"/>
+            <a:off x="3111712" y="840109"/>
+            <a:ext cx="2703618" cy="2376131"/>
           </a:xfrm>
         </p:spPr>
         <p:txBody>
           <a:bodyPr/>
           <a:lstStyle>
             <a:lvl1pPr>
-              <a:defRPr sz="2000"/>
+              <a:defRPr sz="1800"/>
             </a:lvl1pPr>
             <a:lvl2pPr>
-              <a:defRPr sz="1800"/>
+              <a:defRPr sz="1600"/>
             </a:lvl2pPr>
             <a:lvl3pPr>
-              <a:defRPr sz="1500"/>
+              <a:defRPr sz="1300"/>
             </a:lvl3pPr>
             <a:lvl4pPr>
-              <a:defRPr sz="1300"/>
+              <a:defRPr sz="1200"/>
             </a:lvl4pPr>
             <a:lvl5pPr>
-              <a:defRPr sz="1300"/>
+              <a:defRPr sz="1200"/>
             </a:lvl5pPr>
             <a:lvl6pPr>
-              <a:defRPr sz="1300"/>
+              <a:defRPr sz="1200"/>
             </a:lvl6pPr>
             <a:lvl7pPr>
-              <a:defRPr sz="1300"/>
+              <a:defRPr sz="1200"/>
             </a:lvl7pPr>
             <a:lvl8pPr>
-              <a:defRPr sz="1300"/>
+              <a:defRPr sz="1200"/>
             </a:lvl8pPr>
             <a:lvl9pPr>
-              <a:defRPr sz="1300"/>
+              <a:defRPr sz="1200"/>
             </a:lvl9pPr>
           </a:lstStyle>
           <a:p>
@@ -1321,7 +1763,7 @@
               <a:rPr lang="fr-FR" smtClean="0"/>
               <a:t>Cinquième niveau</a:t>
             </a:r>
-            <a:endParaRPr lang="fr-FR"/>
+            <a:endParaRPr lang="en-US"/>
           </a:p>
         </p:txBody>
       </p:sp>
@@ -1340,11 +1782,11 @@
           <a:bodyPr/>
           <a:lstStyle/>
           <a:p>
-            <a:fld id="{312E6D23-BB25-4BD9-ADC3-FF09D3F5E422}" type="datetimeFigureOut">
-              <a:rPr lang="fr-FR" smtClean="0"/>
-              <a:t>07/04/2017</a:t>
+            <a:fld id="{E8FDFF63-9793-40E2-8DBC-13016F069603}" type="datetimeFigureOut">
+              <a:rPr lang="en-US" smtClean="0"/>
+              <a:t>6/22/2017</a:t>
             </a:fld>
-            <a:endParaRPr lang="fr-FR"/>
+            <a:endParaRPr lang="en-US"/>
           </a:p>
         </p:txBody>
       </p:sp>
@@ -1363,7 +1805,7 @@
           <a:bodyPr/>
           <a:lstStyle/>
           <a:p>
-            <a:endParaRPr lang="fr-FR"/>
+            <a:endParaRPr lang="en-US"/>
           </a:p>
         </p:txBody>
       </p:sp>
@@ -1382,18 +1824,18 @@
           <a:bodyPr/>
           <a:lstStyle/>
           <a:p>
-            <a:fld id="{F1F184C3-949B-4CDA-A930-646DE69B5AFB}" type="slidenum">
-              <a:rPr lang="fr-FR" smtClean="0"/>
+            <a:fld id="{918781F0-7AA1-4B0D-8E17-235B1E5A9496}" type="slidenum">
+              <a:rPr lang="en-US" smtClean="0"/>
               <a:t>‹N°›</a:t>
             </a:fld>
-            <a:endParaRPr lang="fr-FR"/>
+            <a:endParaRPr lang="en-US"/>
           </a:p>
         </p:txBody>
       </p:sp>
     </p:spTree>
     <p:extLst>
       <p:ext uri="{BB962C8B-B14F-4D97-AF65-F5344CB8AC3E}">
-        <p14:creationId xmlns:p14="http://schemas.microsoft.com/office/powerpoint/2010/main" val="3520888003"/>
+        <p14:creationId xmlns:p14="http://schemas.microsoft.com/office/powerpoint/2010/main" val="3545724919"/>
       </p:ext>
     </p:extLst>
   </p:cSld>
@@ -1430,12 +1872,7 @@
             <p:ph type="title"/>
           </p:nvPr>
         </p:nvSpPr>
-        <p:spPr>
-          <a:xfrm>
-            <a:off x="392431" y="175908"/>
-            <a:ext cx="7063740" cy="732102"/>
-          </a:xfrm>
-        </p:spPr>
+        <p:spPr/>
         <p:txBody>
           <a:bodyPr/>
           <a:lstStyle>
@@ -1448,7 +1885,7 @@
               <a:rPr lang="fr-FR" smtClean="0"/>
               <a:t>Modifiez le style du titre</a:t>
             </a:r>
-            <a:endParaRPr lang="fr-FR"/>
+            <a:endParaRPr lang="en-US"/>
           </a:p>
         </p:txBody>
       </p:sp>
@@ -1464,8 +1901,8 @@
         </p:nvSpPr>
         <p:spPr>
           <a:xfrm>
-            <a:off x="392431" y="983257"/>
-            <a:ext cx="3467828" cy="409773"/>
+            <a:off x="306071" y="805936"/>
+            <a:ext cx="2704681" cy="335875"/>
           </a:xfrm>
         </p:spPr>
         <p:txBody>
@@ -1473,39 +1910,39 @@
           <a:lstStyle>
             <a:lvl1pPr marL="0" indent="0">
               <a:buNone/>
-              <a:defRPr sz="1800" b="1"/>
+              <a:defRPr sz="1600" b="1"/>
             </a:lvl1pPr>
-            <a:lvl2pPr marL="334305" indent="0">
-              <a:buNone/>
-              <a:defRPr sz="1500" b="1"/>
+            <a:lvl2pPr marL="298323" indent="0">
+              <a:buNone/>
+              <a:defRPr sz="1300" b="1"/>
             </a:lvl2pPr>
-            <a:lvl3pPr marL="668609" indent="0">
-              <a:buNone/>
-              <a:defRPr sz="1300" b="1"/>
+            <a:lvl3pPr marL="596646" indent="0">
+              <a:buNone/>
+              <a:defRPr sz="1200" b="1"/>
             </a:lvl3pPr>
-            <a:lvl4pPr marL="1002914" indent="0">
-              <a:buNone/>
-              <a:defRPr sz="1200" b="1"/>
+            <a:lvl4pPr marL="894969" indent="0">
+              <a:buNone/>
+              <a:defRPr sz="1000" b="1"/>
             </a:lvl4pPr>
-            <a:lvl5pPr marL="1337219" indent="0">
-              <a:buNone/>
-              <a:defRPr sz="1200" b="1"/>
+            <a:lvl5pPr marL="1193292" indent="0">
+              <a:buNone/>
+              <a:defRPr sz="1000" b="1"/>
             </a:lvl5pPr>
-            <a:lvl6pPr marL="1671523" indent="0">
-              <a:buNone/>
-              <a:defRPr sz="1200" b="1"/>
+            <a:lvl6pPr marL="1491615" indent="0">
+              <a:buNone/>
+              <a:defRPr sz="1000" b="1"/>
             </a:lvl6pPr>
-            <a:lvl7pPr marL="2005828" indent="0">
-              <a:buNone/>
-              <a:defRPr sz="1200" b="1"/>
+            <a:lvl7pPr marL="1789938" indent="0">
+              <a:buNone/>
+              <a:defRPr sz="1000" b="1"/>
             </a:lvl7pPr>
-            <a:lvl8pPr marL="2340132" indent="0">
-              <a:buNone/>
-              <a:defRPr sz="1200" b="1"/>
+            <a:lvl8pPr marL="2088261" indent="0">
+              <a:buNone/>
+              <a:defRPr sz="1000" b="1"/>
             </a:lvl8pPr>
-            <a:lvl9pPr marL="2674437" indent="0">
-              <a:buNone/>
-              <a:defRPr sz="1200" b="1"/>
+            <a:lvl9pPr marL="2386584" indent="0">
+              <a:buNone/>
+              <a:defRPr sz="1000" b="1"/>
             </a:lvl9pPr>
           </a:lstStyle>
           <a:p>
@@ -1529,39 +1966,39 @@
         </p:nvSpPr>
         <p:spPr>
           <a:xfrm>
-            <a:off x="392431" y="1393029"/>
-            <a:ext cx="3467828" cy="2530837"/>
+            <a:off x="306071" y="1141810"/>
+            <a:ext cx="2704681" cy="2074426"/>
           </a:xfrm>
         </p:spPr>
         <p:txBody>
           <a:bodyPr/>
           <a:lstStyle>
             <a:lvl1pPr>
-              <a:defRPr sz="1800"/>
+              <a:defRPr sz="1600"/>
             </a:lvl1pPr>
             <a:lvl2pPr>
-              <a:defRPr sz="1500"/>
+              <a:defRPr sz="1300"/>
             </a:lvl2pPr>
             <a:lvl3pPr>
-              <a:defRPr sz="1300"/>
+              <a:defRPr sz="1200"/>
             </a:lvl3pPr>
             <a:lvl4pPr>
-              <a:defRPr sz="1200"/>
+              <a:defRPr sz="1000"/>
             </a:lvl4pPr>
             <a:lvl5pPr>
-              <a:defRPr sz="1200"/>
+              <a:defRPr sz="1000"/>
             </a:lvl5pPr>
             <a:lvl6pPr>
-              <a:defRPr sz="1200"/>
+              <a:defRPr sz="1000"/>
             </a:lvl6pPr>
             <a:lvl7pPr>
-              <a:defRPr sz="1200"/>
+              <a:defRPr sz="1000"/>
             </a:lvl7pPr>
             <a:lvl8pPr>
-              <a:defRPr sz="1200"/>
+              <a:defRPr sz="1000"/>
             </a:lvl8pPr>
             <a:lvl9pPr>
-              <a:defRPr sz="1200"/>
+              <a:defRPr sz="1000"/>
             </a:lvl9pPr>
           </a:lstStyle>
           <a:p>
@@ -1598,7 +2035,7 @@
               <a:rPr lang="fr-FR" smtClean="0"/>
               <a:t>Cinquième niveau</a:t>
             </a:r>
-            <a:endParaRPr lang="fr-FR"/>
+            <a:endParaRPr lang="en-US"/>
           </a:p>
         </p:txBody>
       </p:sp>
@@ -1614,8 +2051,8 @@
         </p:nvSpPr>
         <p:spPr>
           <a:xfrm>
-            <a:off x="3986981" y="983257"/>
-            <a:ext cx="3469190" cy="409773"/>
+            <a:off x="3109589" y="805936"/>
+            <a:ext cx="2705744" cy="335875"/>
           </a:xfrm>
         </p:spPr>
         <p:txBody>
@@ -1623,39 +2060,39 @@
           <a:lstStyle>
             <a:lvl1pPr marL="0" indent="0">
               <a:buNone/>
-              <a:defRPr sz="1800" b="1"/>
+              <a:defRPr sz="1600" b="1"/>
             </a:lvl1pPr>
-            <a:lvl2pPr marL="334305" indent="0">
-              <a:buNone/>
-              <a:defRPr sz="1500" b="1"/>
+            <a:lvl2pPr marL="298323" indent="0">
+              <a:buNone/>
+              <a:defRPr sz="1300" b="1"/>
             </a:lvl2pPr>
-            <a:lvl3pPr marL="668609" indent="0">
-              <a:buNone/>
-              <a:defRPr sz="1300" b="1"/>
+            <a:lvl3pPr marL="596646" indent="0">
+              <a:buNone/>
+              <a:defRPr sz="1200" b="1"/>
             </a:lvl3pPr>
-            <a:lvl4pPr marL="1002914" indent="0">
-              <a:buNone/>
-              <a:defRPr sz="1200" b="1"/>
+            <a:lvl4pPr marL="894969" indent="0">
+              <a:buNone/>
+              <a:defRPr sz="1000" b="1"/>
             </a:lvl4pPr>
-            <a:lvl5pPr marL="1337219" indent="0">
-              <a:buNone/>
-              <a:defRPr sz="1200" b="1"/>
+            <a:lvl5pPr marL="1193292" indent="0">
+              <a:buNone/>
+              <a:defRPr sz="1000" b="1"/>
             </a:lvl5pPr>
-            <a:lvl6pPr marL="1671523" indent="0">
-              <a:buNone/>
-              <a:defRPr sz="1200" b="1"/>
+            <a:lvl6pPr marL="1491615" indent="0">
+              <a:buNone/>
+              <a:defRPr sz="1000" b="1"/>
             </a:lvl6pPr>
-            <a:lvl7pPr marL="2005828" indent="0">
-              <a:buNone/>
-              <a:defRPr sz="1200" b="1"/>
+            <a:lvl7pPr marL="1789938" indent="0">
+              <a:buNone/>
+              <a:defRPr sz="1000" b="1"/>
             </a:lvl7pPr>
-            <a:lvl8pPr marL="2340132" indent="0">
-              <a:buNone/>
-              <a:defRPr sz="1200" b="1"/>
+            <a:lvl8pPr marL="2088261" indent="0">
+              <a:buNone/>
+              <a:defRPr sz="1000" b="1"/>
             </a:lvl8pPr>
-            <a:lvl9pPr marL="2674437" indent="0">
-              <a:buNone/>
-              <a:defRPr sz="1200" b="1"/>
+            <a:lvl9pPr marL="2386584" indent="0">
+              <a:buNone/>
+              <a:defRPr sz="1000" b="1"/>
             </a:lvl9pPr>
           </a:lstStyle>
           <a:p>
@@ -1679,39 +2116,39 @@
         </p:nvSpPr>
         <p:spPr>
           <a:xfrm>
-            <a:off x="3986981" y="1393029"/>
-            <a:ext cx="3469190" cy="2530837"/>
+            <a:off x="3109589" y="1141810"/>
+            <a:ext cx="2705744" cy="2074426"/>
           </a:xfrm>
         </p:spPr>
         <p:txBody>
           <a:bodyPr/>
           <a:lstStyle>
             <a:lvl1pPr>
-              <a:defRPr sz="1800"/>
+              <a:defRPr sz="1600"/>
             </a:lvl1pPr>
             <a:lvl2pPr>
-              <a:defRPr sz="1500"/>
+              <a:defRPr sz="1300"/>
             </a:lvl2pPr>
             <a:lvl3pPr>
-              <a:defRPr sz="1300"/>
+              <a:defRPr sz="1200"/>
             </a:lvl3pPr>
             <a:lvl4pPr>
-              <a:defRPr sz="1200"/>
+              <a:defRPr sz="1000"/>
             </a:lvl4pPr>
             <a:lvl5pPr>
-              <a:defRPr sz="1200"/>
+              <a:defRPr sz="1000"/>
             </a:lvl5pPr>
             <a:lvl6pPr>
-              <a:defRPr sz="1200"/>
+              <a:defRPr sz="1000"/>
             </a:lvl6pPr>
             <a:lvl7pPr>
-              <a:defRPr sz="1200"/>
+              <a:defRPr sz="1000"/>
             </a:lvl7pPr>
             <a:lvl8pPr>
-              <a:defRPr sz="1200"/>
+              <a:defRPr sz="1000"/>
             </a:lvl8pPr>
             <a:lvl9pPr>
-              <a:defRPr sz="1200"/>
+              <a:defRPr sz="1000"/>
             </a:lvl9pPr>
           </a:lstStyle>
           <a:p>
@@ -1748,7 +2185,7 @@
               <a:rPr lang="fr-FR" smtClean="0"/>
               <a:t>Cinquième niveau</a:t>
             </a:r>
-            <a:endParaRPr lang="fr-FR"/>
+            <a:endParaRPr lang="en-US"/>
           </a:p>
         </p:txBody>
       </p:sp>
@@ -1767,11 +2204,11 @@
           <a:bodyPr/>
           <a:lstStyle/>
           <a:p>
-            <a:fld id="{312E6D23-BB25-4BD9-ADC3-FF09D3F5E422}" type="datetimeFigureOut">
-              <a:rPr lang="fr-FR" smtClean="0"/>
-              <a:t>07/04/2017</a:t>
+            <a:fld id="{E8FDFF63-9793-40E2-8DBC-13016F069603}" type="datetimeFigureOut">
+              <a:rPr lang="en-US" smtClean="0"/>
+              <a:t>6/22/2017</a:t>
             </a:fld>
-            <a:endParaRPr lang="fr-FR"/>
+            <a:endParaRPr lang="en-US"/>
           </a:p>
         </p:txBody>
       </p:sp>
@@ -1790,7 +2227,7 @@
           <a:bodyPr/>
           <a:lstStyle/>
           <a:p>
-            <a:endParaRPr lang="fr-FR"/>
+            <a:endParaRPr lang="en-US"/>
           </a:p>
         </p:txBody>
       </p:sp>
@@ -1809,18 +2246,18 @@
           <a:bodyPr/>
           <a:lstStyle/>
           <a:p>
-            <a:fld id="{F1F184C3-949B-4CDA-A930-646DE69B5AFB}" type="slidenum">
-              <a:rPr lang="fr-FR" smtClean="0"/>
+            <a:fld id="{918781F0-7AA1-4B0D-8E17-235B1E5A9496}" type="slidenum">
+              <a:rPr lang="en-US" smtClean="0"/>
               <a:t>‹N°›</a:t>
             </a:fld>
-            <a:endParaRPr lang="fr-FR"/>
+            <a:endParaRPr lang="en-US"/>
           </a:p>
         </p:txBody>
       </p:sp>
     </p:spTree>
     <p:extLst>
       <p:ext uri="{BB962C8B-B14F-4D97-AF65-F5344CB8AC3E}">
-        <p14:creationId xmlns:p14="http://schemas.microsoft.com/office/powerpoint/2010/main" val="2968989955"/>
+        <p14:creationId xmlns:p14="http://schemas.microsoft.com/office/powerpoint/2010/main" val="879205721"/>
       </p:ext>
     </p:extLst>
   </p:cSld>
@@ -1866,7 +2303,7 @@
               <a:rPr lang="fr-FR" smtClean="0"/>
               <a:t>Modifiez le style du titre</a:t>
             </a:r>
-            <a:endParaRPr lang="fr-FR"/>
+            <a:endParaRPr lang="en-US"/>
           </a:p>
         </p:txBody>
       </p:sp>
@@ -1885,11 +2322,11 @@
           <a:bodyPr/>
           <a:lstStyle/>
           <a:p>
-            <a:fld id="{312E6D23-BB25-4BD9-ADC3-FF09D3F5E422}" type="datetimeFigureOut">
-              <a:rPr lang="fr-FR" smtClean="0"/>
-              <a:t>07/04/2017</a:t>
+            <a:fld id="{E8FDFF63-9793-40E2-8DBC-13016F069603}" type="datetimeFigureOut">
+              <a:rPr lang="en-US" smtClean="0"/>
+              <a:t>6/22/2017</a:t>
             </a:fld>
-            <a:endParaRPr lang="fr-FR"/>
+            <a:endParaRPr lang="en-US"/>
           </a:p>
         </p:txBody>
       </p:sp>
@@ -1908,7 +2345,7 @@
           <a:bodyPr/>
           <a:lstStyle/>
           <a:p>
-            <a:endParaRPr lang="fr-FR"/>
+            <a:endParaRPr lang="en-US"/>
           </a:p>
         </p:txBody>
       </p:sp>
@@ -1927,18 +2364,18 @@
           <a:bodyPr/>
           <a:lstStyle/>
           <a:p>
-            <a:fld id="{F1F184C3-949B-4CDA-A930-646DE69B5AFB}" type="slidenum">
-              <a:rPr lang="fr-FR" smtClean="0"/>
+            <a:fld id="{918781F0-7AA1-4B0D-8E17-235B1E5A9496}" type="slidenum">
+              <a:rPr lang="en-US" smtClean="0"/>
               <a:t>‹N°›</a:t>
             </a:fld>
-            <a:endParaRPr lang="fr-FR"/>
+            <a:endParaRPr lang="en-US"/>
           </a:p>
         </p:txBody>
       </p:sp>
     </p:spTree>
     <p:extLst>
       <p:ext uri="{BB962C8B-B14F-4D97-AF65-F5344CB8AC3E}">
-        <p14:creationId xmlns:p14="http://schemas.microsoft.com/office/powerpoint/2010/main" val="2966846372"/>
+        <p14:creationId xmlns:p14="http://schemas.microsoft.com/office/powerpoint/2010/main" val="2233832320"/>
       </p:ext>
     </p:extLst>
   </p:cSld>
@@ -1980,11 +2417,11 @@
           <a:bodyPr/>
           <a:lstStyle/>
           <a:p>
-            <a:fld id="{312E6D23-BB25-4BD9-ADC3-FF09D3F5E422}" type="datetimeFigureOut">
-              <a:rPr lang="fr-FR" smtClean="0"/>
-              <a:t>07/04/2017</a:t>
+            <a:fld id="{E8FDFF63-9793-40E2-8DBC-13016F069603}" type="datetimeFigureOut">
+              <a:rPr lang="en-US" smtClean="0"/>
+              <a:t>6/22/2017</a:t>
             </a:fld>
-            <a:endParaRPr lang="fr-FR"/>
+            <a:endParaRPr lang="en-US"/>
           </a:p>
         </p:txBody>
       </p:sp>
@@ -2003,7 +2440,7 @@
           <a:bodyPr/>
           <a:lstStyle/>
           <a:p>
-            <a:endParaRPr lang="fr-FR"/>
+            <a:endParaRPr lang="en-US"/>
           </a:p>
         </p:txBody>
       </p:sp>
@@ -2022,18 +2459,18 @@
           <a:bodyPr/>
           <a:lstStyle/>
           <a:p>
-            <a:fld id="{F1F184C3-949B-4CDA-A930-646DE69B5AFB}" type="slidenum">
-              <a:rPr lang="fr-FR" smtClean="0"/>
+            <a:fld id="{918781F0-7AA1-4B0D-8E17-235B1E5A9496}" type="slidenum">
+              <a:rPr lang="en-US" smtClean="0"/>
               <a:t>‹N°›</a:t>
             </a:fld>
-            <a:endParaRPr lang="fr-FR"/>
+            <a:endParaRPr lang="en-US"/>
           </a:p>
         </p:txBody>
       </p:sp>
     </p:spTree>
     <p:extLst>
       <p:ext uri="{BB962C8B-B14F-4D97-AF65-F5344CB8AC3E}">
-        <p14:creationId xmlns:p14="http://schemas.microsoft.com/office/powerpoint/2010/main" val="1194066744"/>
+        <p14:creationId xmlns:p14="http://schemas.microsoft.com/office/powerpoint/2010/main" val="3891637003"/>
       </p:ext>
     </p:extLst>
   </p:cSld>
@@ -2072,15 +2509,15 @@
         </p:nvSpPr>
         <p:spPr>
           <a:xfrm>
-            <a:off x="392430" y="174892"/>
-            <a:ext cx="2582135" cy="744304"/>
+            <a:off x="306072" y="143352"/>
+            <a:ext cx="2013899" cy="610076"/>
           </a:xfrm>
         </p:spPr>
         <p:txBody>
           <a:bodyPr anchor="b"/>
           <a:lstStyle>
             <a:lvl1pPr algn="l">
-              <a:defRPr sz="1500" b="1"/>
+              <a:defRPr sz="1300" b="1"/>
             </a:lvl1pPr>
           </a:lstStyle>
           <a:p>
@@ -2088,7 +2525,7 @@
               <a:rPr lang="fr-FR" smtClean="0"/>
               <a:t>Modifiez le style du titre</a:t>
             </a:r>
-            <a:endParaRPr lang="fr-FR"/>
+            <a:endParaRPr lang="en-US"/>
           </a:p>
         </p:txBody>
       </p:sp>
@@ -2104,39 +2541,39 @@
         </p:nvSpPr>
         <p:spPr>
           <a:xfrm>
-            <a:off x="3068585" y="174893"/>
-            <a:ext cx="4387585" cy="3748973"/>
+            <a:off x="2393299" y="143353"/>
+            <a:ext cx="3422033" cy="3072884"/>
           </a:xfrm>
         </p:spPr>
         <p:txBody>
           <a:bodyPr/>
           <a:lstStyle>
             <a:lvl1pPr>
-              <a:defRPr sz="2300"/>
+              <a:defRPr sz="2100"/>
             </a:lvl1pPr>
             <a:lvl2pPr>
-              <a:defRPr sz="2000"/>
+              <a:defRPr sz="1800"/>
             </a:lvl2pPr>
             <a:lvl3pPr>
-              <a:defRPr sz="1800"/>
+              <a:defRPr sz="1600"/>
             </a:lvl3pPr>
             <a:lvl4pPr>
-              <a:defRPr sz="1500"/>
+              <a:defRPr sz="1300"/>
             </a:lvl4pPr>
             <a:lvl5pPr>
-              <a:defRPr sz="1500"/>
+              <a:defRPr sz="1300"/>
             </a:lvl5pPr>
             <a:lvl6pPr>
-              <a:defRPr sz="1500"/>
+              <a:defRPr sz="1300"/>
             </a:lvl6pPr>
             <a:lvl7pPr>
-              <a:defRPr sz="1500"/>
+              <a:defRPr sz="1300"/>
             </a:lvl7pPr>
             <a:lvl8pPr>
-              <a:defRPr sz="1500"/>
+              <a:defRPr sz="1300"/>
             </a:lvl8pPr>
             <a:lvl9pPr>
-              <a:defRPr sz="1500"/>
+              <a:defRPr sz="1300"/>
             </a:lvl9pPr>
           </a:lstStyle>
           <a:p>
@@ -2173,7 +2610,7 @@
               <a:rPr lang="fr-FR" smtClean="0"/>
               <a:t>Cinquième niveau</a:t>
             </a:r>
-            <a:endParaRPr lang="fr-FR"/>
+            <a:endParaRPr lang="en-US"/>
           </a:p>
         </p:txBody>
       </p:sp>
@@ -2189,8 +2626,8 @@
         </p:nvSpPr>
         <p:spPr>
           <a:xfrm>
-            <a:off x="392430" y="919195"/>
-            <a:ext cx="2582135" cy="3004670"/>
+            <a:off x="306072" y="753428"/>
+            <a:ext cx="2013899" cy="2462808"/>
           </a:xfrm>
         </p:spPr>
         <p:txBody>
@@ -2198,39 +2635,39 @@
           <a:lstStyle>
             <a:lvl1pPr marL="0" indent="0">
               <a:buNone/>
-              <a:defRPr sz="1000"/>
+              <a:defRPr sz="900"/>
             </a:lvl1pPr>
-            <a:lvl2pPr marL="334305" indent="0">
-              <a:buNone/>
-              <a:defRPr sz="900"/>
+            <a:lvl2pPr marL="298323" indent="0">
+              <a:buNone/>
+              <a:defRPr sz="800"/>
             </a:lvl2pPr>
-            <a:lvl3pPr marL="668609" indent="0">
+            <a:lvl3pPr marL="596646" indent="0">
               <a:buNone/>
               <a:defRPr sz="700"/>
             </a:lvl3pPr>
-            <a:lvl4pPr marL="1002914" indent="0">
-              <a:buNone/>
-              <a:defRPr sz="700"/>
+            <a:lvl4pPr marL="894969" indent="0">
+              <a:buNone/>
+              <a:defRPr sz="600"/>
             </a:lvl4pPr>
-            <a:lvl5pPr marL="1337219" indent="0">
-              <a:buNone/>
-              <a:defRPr sz="700"/>
+            <a:lvl5pPr marL="1193292" indent="0">
+              <a:buNone/>
+              <a:defRPr sz="600"/>
             </a:lvl5pPr>
-            <a:lvl6pPr marL="1671523" indent="0">
-              <a:buNone/>
-              <a:defRPr sz="700"/>
+            <a:lvl6pPr marL="1491615" indent="0">
+              <a:buNone/>
+              <a:defRPr sz="600"/>
             </a:lvl6pPr>
-            <a:lvl7pPr marL="2005828" indent="0">
-              <a:buNone/>
-              <a:defRPr sz="700"/>
+            <a:lvl7pPr marL="1789938" indent="0">
+              <a:buNone/>
+              <a:defRPr sz="600"/>
             </a:lvl7pPr>
-            <a:lvl8pPr marL="2340132" indent="0">
-              <a:buNone/>
-              <a:defRPr sz="700"/>
+            <a:lvl8pPr marL="2088261" indent="0">
+              <a:buNone/>
+              <a:defRPr sz="600"/>
             </a:lvl8pPr>
-            <a:lvl9pPr marL="2674437" indent="0">
-              <a:buNone/>
-              <a:defRPr sz="700"/>
+            <a:lvl9pPr marL="2386584" indent="0">
+              <a:buNone/>
+              <a:defRPr sz="600"/>
             </a:lvl9pPr>
           </a:lstStyle>
           <a:p>
@@ -2257,11 +2694,11 @@
           <a:bodyPr/>
           <a:lstStyle/>
           <a:p>
-            <a:fld id="{312E6D23-BB25-4BD9-ADC3-FF09D3F5E422}" type="datetimeFigureOut">
-              <a:rPr lang="fr-FR" smtClean="0"/>
-              <a:t>07/04/2017</a:t>
+            <a:fld id="{E8FDFF63-9793-40E2-8DBC-13016F069603}" type="datetimeFigureOut">
+              <a:rPr lang="en-US" smtClean="0"/>
+              <a:t>6/22/2017</a:t>
             </a:fld>
-            <a:endParaRPr lang="fr-FR"/>
+            <a:endParaRPr lang="en-US"/>
           </a:p>
         </p:txBody>
       </p:sp>
@@ -2280,7 +2717,7 @@
           <a:bodyPr/>
           <a:lstStyle/>
           <a:p>
-            <a:endParaRPr lang="fr-FR"/>
+            <a:endParaRPr lang="en-US"/>
           </a:p>
         </p:txBody>
       </p:sp>
@@ -2299,18 +2736,18 @@
           <a:bodyPr/>
           <a:lstStyle/>
           <a:p>
-            <a:fld id="{F1F184C3-949B-4CDA-A930-646DE69B5AFB}" type="slidenum">
-              <a:rPr lang="fr-FR" smtClean="0"/>
+            <a:fld id="{918781F0-7AA1-4B0D-8E17-235B1E5A9496}" type="slidenum">
+              <a:rPr lang="en-US" smtClean="0"/>
               <a:t>‹N°›</a:t>
             </a:fld>
-            <a:endParaRPr lang="fr-FR"/>
+            <a:endParaRPr lang="en-US"/>
           </a:p>
         </p:txBody>
       </p:sp>
     </p:spTree>
     <p:extLst>
       <p:ext uri="{BB962C8B-B14F-4D97-AF65-F5344CB8AC3E}">
-        <p14:creationId xmlns:p14="http://schemas.microsoft.com/office/powerpoint/2010/main" val="1847749384"/>
+        <p14:creationId xmlns:p14="http://schemas.microsoft.com/office/powerpoint/2010/main" val="1834488676"/>
       </p:ext>
     </p:extLst>
   </p:cSld>
@@ -2349,15 +2786,15 @@
         </p:nvSpPr>
         <p:spPr>
           <a:xfrm>
-            <a:off x="1538381" y="3074828"/>
-            <a:ext cx="4709160" cy="363002"/>
+            <a:off x="1199838" y="2520315"/>
+            <a:ext cx="3672840" cy="297538"/>
           </a:xfrm>
         </p:spPr>
         <p:txBody>
           <a:bodyPr anchor="b"/>
           <a:lstStyle>
             <a:lvl1pPr algn="l">
-              <a:defRPr sz="1500" b="1"/>
+              <a:defRPr sz="1300" b="1"/>
             </a:lvl1pPr>
           </a:lstStyle>
           <a:p>
@@ -2365,7 +2802,7 @@
               <a:rPr lang="fr-FR" smtClean="0"/>
               <a:t>Modifiez le style du titre</a:t>
             </a:r>
-            <a:endParaRPr lang="fr-FR"/>
+            <a:endParaRPr lang="en-US"/>
           </a:p>
         </p:txBody>
       </p:sp>
@@ -2381,8 +2818,8 @@
         </p:nvSpPr>
         <p:spPr>
           <a:xfrm>
-            <a:off x="1538381" y="392489"/>
-            <a:ext cx="4709160" cy="2635568"/>
+            <a:off x="1199838" y="321707"/>
+            <a:ext cx="3672840" cy="2160270"/>
           </a:xfrm>
         </p:spPr>
         <p:txBody>
@@ -2390,43 +2827,43 @@
           <a:lstStyle>
             <a:lvl1pPr marL="0" indent="0">
               <a:buNone/>
-              <a:defRPr sz="2300"/>
+              <a:defRPr sz="2100"/>
             </a:lvl1pPr>
-            <a:lvl2pPr marL="334305" indent="0">
-              <a:buNone/>
-              <a:defRPr sz="2000"/>
+            <a:lvl2pPr marL="298323" indent="0">
+              <a:buNone/>
+              <a:defRPr sz="1800"/>
             </a:lvl2pPr>
-            <a:lvl3pPr marL="668609" indent="0">
-              <a:buNone/>
-              <a:defRPr sz="1800"/>
+            <a:lvl3pPr marL="596646" indent="0">
+              <a:buNone/>
+              <a:defRPr sz="1600"/>
             </a:lvl3pPr>
-            <a:lvl4pPr marL="1002914" indent="0">
-              <a:buNone/>
-              <a:defRPr sz="1500"/>
+            <a:lvl4pPr marL="894969" indent="0">
+              <a:buNone/>
+              <a:defRPr sz="1300"/>
             </a:lvl4pPr>
-            <a:lvl5pPr marL="1337219" indent="0">
-              <a:buNone/>
-              <a:defRPr sz="1500"/>
+            <a:lvl5pPr marL="1193292" indent="0">
+              <a:buNone/>
+              <a:defRPr sz="1300"/>
             </a:lvl5pPr>
-            <a:lvl6pPr marL="1671523" indent="0">
-              <a:buNone/>
-              <a:defRPr sz="1500"/>
+            <a:lvl6pPr marL="1491615" indent="0">
+              <a:buNone/>
+              <a:defRPr sz="1300"/>
             </a:lvl6pPr>
-            <a:lvl7pPr marL="2005828" indent="0">
-              <a:buNone/>
-              <a:defRPr sz="1500"/>
+            <a:lvl7pPr marL="1789938" indent="0">
+              <a:buNone/>
+              <a:defRPr sz="1300"/>
             </a:lvl7pPr>
-            <a:lvl8pPr marL="2340132" indent="0">
-              <a:buNone/>
-              <a:defRPr sz="1500"/>
+            <a:lvl8pPr marL="2088261" indent="0">
+              <a:buNone/>
+              <a:defRPr sz="1300"/>
             </a:lvl8pPr>
-            <a:lvl9pPr marL="2674437" indent="0">
-              <a:buNone/>
-              <a:defRPr sz="1500"/>
+            <a:lvl9pPr marL="2386584" indent="0">
+              <a:buNone/>
+              <a:defRPr sz="1300"/>
             </a:lvl9pPr>
           </a:lstStyle>
           <a:p>
-            <a:endParaRPr lang="fr-FR"/>
+            <a:endParaRPr lang="en-US"/>
           </a:p>
         </p:txBody>
       </p:sp>
@@ -2442,8 +2879,8 @@
         </p:nvSpPr>
         <p:spPr>
           <a:xfrm>
-            <a:off x="1538381" y="3437830"/>
-            <a:ext cx="4709160" cy="515522"/>
+            <a:off x="1199838" y="2817854"/>
+            <a:ext cx="3672840" cy="422552"/>
           </a:xfrm>
         </p:spPr>
         <p:txBody>
@@ -2451,39 +2888,39 @@
           <a:lstStyle>
             <a:lvl1pPr marL="0" indent="0">
               <a:buNone/>
-              <a:defRPr sz="1000"/>
+              <a:defRPr sz="900"/>
             </a:lvl1pPr>
-            <a:lvl2pPr marL="334305" indent="0">
-              <a:buNone/>
-              <a:defRPr sz="900"/>
+            <a:lvl2pPr marL="298323" indent="0">
+              <a:buNone/>
+              <a:defRPr sz="800"/>
             </a:lvl2pPr>
-            <a:lvl3pPr marL="668609" indent="0">
+            <a:lvl3pPr marL="596646" indent="0">
               <a:buNone/>
               <a:defRPr sz="700"/>
             </a:lvl3pPr>
-            <a:lvl4pPr marL="1002914" indent="0">
-              <a:buNone/>
-              <a:defRPr sz="700"/>
+            <a:lvl4pPr marL="894969" indent="0">
+              <a:buNone/>
+              <a:defRPr sz="600"/>
             </a:lvl4pPr>
-            <a:lvl5pPr marL="1337219" indent="0">
-              <a:buNone/>
-              <a:defRPr sz="700"/>
+            <a:lvl5pPr marL="1193292" indent="0">
+              <a:buNone/>
+              <a:defRPr sz="600"/>
             </a:lvl5pPr>
-            <a:lvl6pPr marL="1671523" indent="0">
-              <a:buNone/>
-              <a:defRPr sz="700"/>
+            <a:lvl6pPr marL="1491615" indent="0">
+              <a:buNone/>
+              <a:defRPr sz="600"/>
             </a:lvl6pPr>
-            <a:lvl7pPr marL="2005828" indent="0">
-              <a:buNone/>
-              <a:defRPr sz="700"/>
+            <a:lvl7pPr marL="1789938" indent="0">
+              <a:buNone/>
+              <a:defRPr sz="600"/>
             </a:lvl7pPr>
-            <a:lvl8pPr marL="2340132" indent="0">
-              <a:buNone/>
-              <a:defRPr sz="700"/>
+            <a:lvl8pPr marL="2088261" indent="0">
+              <a:buNone/>
+              <a:defRPr sz="600"/>
             </a:lvl8pPr>
-            <a:lvl9pPr marL="2674437" indent="0">
-              <a:buNone/>
-              <a:defRPr sz="700"/>
+            <a:lvl9pPr marL="2386584" indent="0">
+              <a:buNone/>
+              <a:defRPr sz="600"/>
             </a:lvl9pPr>
           </a:lstStyle>
           <a:p>
@@ -2510,11 +2947,11 @@
           <a:bodyPr/>
           <a:lstStyle/>
           <a:p>
-            <a:fld id="{312E6D23-BB25-4BD9-ADC3-FF09D3F5E422}" type="datetimeFigureOut">
-              <a:rPr lang="fr-FR" smtClean="0"/>
-              <a:t>07/04/2017</a:t>
+            <a:fld id="{E8FDFF63-9793-40E2-8DBC-13016F069603}" type="datetimeFigureOut">
+              <a:rPr lang="en-US" smtClean="0"/>
+              <a:t>6/22/2017</a:t>
             </a:fld>
-            <a:endParaRPr lang="fr-FR"/>
+            <a:endParaRPr lang="en-US"/>
           </a:p>
         </p:txBody>
       </p:sp>
@@ -2533,7 +2970,7 @@
           <a:bodyPr/>
           <a:lstStyle/>
           <a:p>
-            <a:endParaRPr lang="fr-FR"/>
+            <a:endParaRPr lang="en-US"/>
           </a:p>
         </p:txBody>
       </p:sp>
@@ -2552,18 +2989,18 @@
           <a:bodyPr/>
           <a:lstStyle/>
           <a:p>
-            <a:fld id="{F1F184C3-949B-4CDA-A930-646DE69B5AFB}" type="slidenum">
-              <a:rPr lang="fr-FR" smtClean="0"/>
+            <a:fld id="{918781F0-7AA1-4B0D-8E17-235B1E5A9496}" type="slidenum">
+              <a:rPr lang="en-US" smtClean="0"/>
               <a:t>‹N°›</a:t>
             </a:fld>
-            <a:endParaRPr lang="fr-FR"/>
+            <a:endParaRPr lang="en-US"/>
           </a:p>
         </p:txBody>
       </p:sp>
     </p:spTree>
     <p:extLst>
       <p:ext uri="{BB962C8B-B14F-4D97-AF65-F5344CB8AC3E}">
-        <p14:creationId xmlns:p14="http://schemas.microsoft.com/office/powerpoint/2010/main" val="1185964673"/>
+        <p14:creationId xmlns:p14="http://schemas.microsoft.com/office/powerpoint/2010/main" val="4111233185"/>
       </p:ext>
     </p:extLst>
   </p:cSld>
@@ -2607,15 +3044,15 @@
         </p:nvSpPr>
         <p:spPr>
           <a:xfrm>
-            <a:off x="392431" y="175908"/>
-            <a:ext cx="7063740" cy="732102"/>
+            <a:off x="306070" y="144188"/>
+            <a:ext cx="5509261" cy="600075"/>
           </a:xfrm>
           <a:prstGeom prst="rect">
             <a:avLst/>
           </a:prstGeom>
         </p:spPr>
         <p:txBody>
-          <a:bodyPr vert="horz" lIns="66861" tIns="33430" rIns="66861" bIns="33430" rtlCol="0" anchor="ctr">
+          <a:bodyPr vert="horz" lIns="59665" tIns="29832" rIns="59665" bIns="29832" rtlCol="0" anchor="ctr">
             <a:normAutofit/>
           </a:bodyPr>
           <a:lstStyle/>
@@ -2624,7 +3061,7 @@
               <a:rPr lang="fr-FR" smtClean="0"/>
               <a:t>Modifiez le style du titre</a:t>
             </a:r>
-            <a:endParaRPr lang="fr-FR"/>
+            <a:endParaRPr lang="en-US"/>
           </a:p>
         </p:txBody>
       </p:sp>
@@ -2640,15 +3077,15 @@
         </p:nvSpPr>
         <p:spPr>
           <a:xfrm>
-            <a:off x="392431" y="1024943"/>
-            <a:ext cx="7063740" cy="2898922"/>
+            <a:off x="306070" y="840109"/>
+            <a:ext cx="5509261" cy="2376131"/>
           </a:xfrm>
           <a:prstGeom prst="rect">
             <a:avLst/>
           </a:prstGeom>
         </p:spPr>
         <p:txBody>
-          <a:bodyPr vert="horz" lIns="66861" tIns="33430" rIns="66861" bIns="33430" rtlCol="0">
+          <a:bodyPr vert="horz" lIns="59665" tIns="29832" rIns="59665" bIns="29832" rtlCol="0">
             <a:normAutofit/>
           </a:bodyPr>
           <a:lstStyle/>
@@ -2686,7 +3123,7 @@
               <a:rPr lang="fr-FR" smtClean="0"/>
               <a:t>Cinquième niveau</a:t>
             </a:r>
-            <a:endParaRPr lang="fr-FR"/>
+            <a:endParaRPr lang="en-US"/>
           </a:p>
         </p:txBody>
       </p:sp>
@@ -2702,18 +3139,18 @@
         </p:nvSpPr>
         <p:spPr>
           <a:xfrm>
-            <a:off x="392430" y="4071304"/>
-            <a:ext cx="1831340" cy="233865"/>
+            <a:off x="306070" y="3337087"/>
+            <a:ext cx="1428327" cy="191691"/>
           </a:xfrm>
           <a:prstGeom prst="rect">
             <a:avLst/>
           </a:prstGeom>
         </p:spPr>
         <p:txBody>
-          <a:bodyPr vert="horz" lIns="66861" tIns="33430" rIns="66861" bIns="33430" rtlCol="0" anchor="ctr"/>
+          <a:bodyPr vert="horz" lIns="59665" tIns="29832" rIns="59665" bIns="29832" rtlCol="0" anchor="ctr"/>
           <a:lstStyle>
             <a:lvl1pPr algn="l">
-              <a:defRPr sz="900">
+              <a:defRPr sz="800">
                 <a:solidFill>
                   <a:schemeClr val="tx1">
                     <a:tint val="75000"/>
@@ -2723,11 +3160,11 @@
             </a:lvl1pPr>
           </a:lstStyle>
           <a:p>
-            <a:fld id="{312E6D23-BB25-4BD9-ADC3-FF09D3F5E422}" type="datetimeFigureOut">
-              <a:rPr lang="fr-FR" smtClean="0"/>
-              <a:t>07/04/2017</a:t>
+            <a:fld id="{E8FDFF63-9793-40E2-8DBC-13016F069603}" type="datetimeFigureOut">
+              <a:rPr lang="en-US" smtClean="0"/>
+              <a:t>6/22/2017</a:t>
             </a:fld>
-            <a:endParaRPr lang="fr-FR"/>
+            <a:endParaRPr lang="en-US"/>
           </a:p>
         </p:txBody>
       </p:sp>
@@ -2743,18 +3180,18 @@
         </p:nvSpPr>
         <p:spPr>
           <a:xfrm>
-            <a:off x="2681606" y="4071304"/>
-            <a:ext cx="2485390" cy="233865"/>
+            <a:off x="2091480" y="3337087"/>
+            <a:ext cx="1938443" cy="191691"/>
           </a:xfrm>
           <a:prstGeom prst="rect">
             <a:avLst/>
           </a:prstGeom>
         </p:spPr>
         <p:txBody>
-          <a:bodyPr vert="horz" lIns="66861" tIns="33430" rIns="66861" bIns="33430" rtlCol="0" anchor="ctr"/>
+          <a:bodyPr vert="horz" lIns="59665" tIns="29832" rIns="59665" bIns="29832" rtlCol="0" anchor="ctr"/>
           <a:lstStyle>
             <a:lvl1pPr algn="ctr">
-              <a:defRPr sz="900">
+              <a:defRPr sz="800">
                 <a:solidFill>
                   <a:schemeClr val="tx1">
                     <a:tint val="75000"/>
@@ -2764,7 +3201,7 @@
             </a:lvl1pPr>
           </a:lstStyle>
           <a:p>
-            <a:endParaRPr lang="fr-FR"/>
+            <a:endParaRPr lang="en-US"/>
           </a:p>
         </p:txBody>
       </p:sp>
@@ -2780,18 +3217,18 @@
         </p:nvSpPr>
         <p:spPr>
           <a:xfrm>
-            <a:off x="5624830" y="4071304"/>
-            <a:ext cx="1831340" cy="233865"/>
+            <a:off x="4387005" y="3337087"/>
+            <a:ext cx="1428327" cy="191691"/>
           </a:xfrm>
           <a:prstGeom prst="rect">
             <a:avLst/>
           </a:prstGeom>
         </p:spPr>
         <p:txBody>
-          <a:bodyPr vert="horz" lIns="66861" tIns="33430" rIns="66861" bIns="33430" rtlCol="0" anchor="ctr"/>
+          <a:bodyPr vert="horz" lIns="59665" tIns="29832" rIns="59665" bIns="29832" rtlCol="0" anchor="ctr"/>
           <a:lstStyle>
             <a:lvl1pPr algn="r">
-              <a:defRPr sz="900">
+              <a:defRPr sz="800">
                 <a:solidFill>
                   <a:schemeClr val="tx1">
                     <a:tint val="75000"/>
@@ -2801,18 +3238,18 @@
             </a:lvl1pPr>
           </a:lstStyle>
           <a:p>
-            <a:fld id="{F1F184C3-949B-4CDA-A930-646DE69B5AFB}" type="slidenum">
-              <a:rPr lang="fr-FR" smtClean="0"/>
+            <a:fld id="{918781F0-7AA1-4B0D-8E17-235B1E5A9496}" type="slidenum">
+              <a:rPr lang="en-US" smtClean="0"/>
               <a:t>‹N°›</a:t>
             </a:fld>
-            <a:endParaRPr lang="fr-FR"/>
+            <a:endParaRPr lang="en-US"/>
           </a:p>
         </p:txBody>
       </p:sp>
     </p:spTree>
     <p:extLst>
       <p:ext uri="{BB962C8B-B14F-4D97-AF65-F5344CB8AC3E}">
-        <p14:creationId xmlns:p14="http://schemas.microsoft.com/office/powerpoint/2010/main" val="3680856848"/>
+        <p14:creationId xmlns:p14="http://schemas.microsoft.com/office/powerpoint/2010/main" val="1351113230"/>
       </p:ext>
     </p:extLst>
   </p:cSld>
@@ -2832,12 +3269,12 @@
   </p:sldLayoutIdLst>
   <p:txStyles>
     <p:titleStyle>
-      <a:lvl1pPr algn="ctr" defTabSz="668609" rtl="0" eaLnBrk="1" latinLnBrk="0" hangingPunct="1">
+      <a:lvl1pPr algn="ctr" defTabSz="596646" rtl="0" eaLnBrk="1" latinLnBrk="0" hangingPunct="1">
         <a:spcBef>
           <a:spcPct val="0"/>
         </a:spcBef>
         <a:buNone/>
-        <a:defRPr sz="3200" kern="1200">
+        <a:defRPr sz="2900" kern="1200">
           <a:solidFill>
             <a:schemeClr val="tx1"/>
           </a:solidFill>
@@ -2848,13 +3285,13 @@
       </a:lvl1pPr>
     </p:titleStyle>
     <p:bodyStyle>
-      <a:lvl1pPr marL="250728" indent="-250728" algn="l" defTabSz="668609" rtl="0" eaLnBrk="1" latinLnBrk="0" hangingPunct="1">
+      <a:lvl1pPr marL="223742" indent="-223742" algn="l" defTabSz="596646" rtl="0" eaLnBrk="1" latinLnBrk="0" hangingPunct="1">
         <a:spcBef>
           <a:spcPct val="20000"/>
         </a:spcBef>
-        <a:buFont typeface="Arial" pitchFamily="34" charset="0"/>
+        <a:buFont typeface="Arial" panose="020B0604020202020204" pitchFamily="34" charset="0"/>
         <a:buChar char="•"/>
-        <a:defRPr sz="2300" kern="1200">
+        <a:defRPr sz="2100" kern="1200">
           <a:solidFill>
             <a:schemeClr val="tx1"/>
           </a:solidFill>
@@ -2863,13 +3300,13 @@
           <a:cs typeface="+mn-cs"/>
         </a:defRPr>
       </a:lvl1pPr>
-      <a:lvl2pPr marL="543245" indent="-208940" algn="l" defTabSz="668609" rtl="0" eaLnBrk="1" latinLnBrk="0" hangingPunct="1">
+      <a:lvl2pPr marL="484775" indent="-186452" algn="l" defTabSz="596646" rtl="0" eaLnBrk="1" latinLnBrk="0" hangingPunct="1">
         <a:spcBef>
           <a:spcPct val="20000"/>
         </a:spcBef>
-        <a:buFont typeface="Arial" pitchFamily="34" charset="0"/>
+        <a:buFont typeface="Arial" panose="020B0604020202020204" pitchFamily="34" charset="0"/>
         <a:buChar char="–"/>
-        <a:defRPr sz="2000" kern="1200">
+        <a:defRPr sz="1800" kern="1200">
           <a:solidFill>
             <a:schemeClr val="tx1"/>
           </a:solidFill>
@@ -2878,13 +3315,13 @@
           <a:cs typeface="+mn-cs"/>
         </a:defRPr>
       </a:lvl2pPr>
-      <a:lvl3pPr marL="835762" indent="-167152" algn="l" defTabSz="668609" rtl="0" eaLnBrk="1" latinLnBrk="0" hangingPunct="1">
+      <a:lvl3pPr marL="745808" indent="-149162" algn="l" defTabSz="596646" rtl="0" eaLnBrk="1" latinLnBrk="0" hangingPunct="1">
         <a:spcBef>
           <a:spcPct val="20000"/>
         </a:spcBef>
-        <a:buFont typeface="Arial" pitchFamily="34" charset="0"/>
+        <a:buFont typeface="Arial" panose="020B0604020202020204" pitchFamily="34" charset="0"/>
         <a:buChar char="•"/>
-        <a:defRPr sz="1800" kern="1200">
+        <a:defRPr sz="1600" kern="1200">
           <a:solidFill>
             <a:schemeClr val="tx1"/>
           </a:solidFill>
@@ -2893,13 +3330,13 @@
           <a:cs typeface="+mn-cs"/>
         </a:defRPr>
       </a:lvl3pPr>
-      <a:lvl4pPr marL="1170066" indent="-167152" algn="l" defTabSz="668609" rtl="0" eaLnBrk="1" latinLnBrk="0" hangingPunct="1">
+      <a:lvl4pPr marL="1044131" indent="-149162" algn="l" defTabSz="596646" rtl="0" eaLnBrk="1" latinLnBrk="0" hangingPunct="1">
         <a:spcBef>
           <a:spcPct val="20000"/>
         </a:spcBef>
-        <a:buFont typeface="Arial" pitchFamily="34" charset="0"/>
+        <a:buFont typeface="Arial" panose="020B0604020202020204" pitchFamily="34" charset="0"/>
         <a:buChar char="–"/>
-        <a:defRPr sz="1500" kern="1200">
+        <a:defRPr sz="1300" kern="1200">
           <a:solidFill>
             <a:schemeClr val="tx1"/>
           </a:solidFill>
@@ -2908,13 +3345,13 @@
           <a:cs typeface="+mn-cs"/>
         </a:defRPr>
       </a:lvl4pPr>
-      <a:lvl5pPr marL="1504371" indent="-167152" algn="l" defTabSz="668609" rtl="0" eaLnBrk="1" latinLnBrk="0" hangingPunct="1">
+      <a:lvl5pPr marL="1342454" indent="-149162" algn="l" defTabSz="596646" rtl="0" eaLnBrk="1" latinLnBrk="0" hangingPunct="1">
         <a:spcBef>
           <a:spcPct val="20000"/>
         </a:spcBef>
-        <a:buFont typeface="Arial" pitchFamily="34" charset="0"/>
+        <a:buFont typeface="Arial" panose="020B0604020202020204" pitchFamily="34" charset="0"/>
         <a:buChar char="»"/>
-        <a:defRPr sz="1500" kern="1200">
+        <a:defRPr sz="1300" kern="1200">
           <a:solidFill>
             <a:schemeClr val="tx1"/>
           </a:solidFill>
@@ -2923,13 +3360,13 @@
           <a:cs typeface="+mn-cs"/>
         </a:defRPr>
       </a:lvl5pPr>
-      <a:lvl6pPr marL="1838676" indent="-167152" algn="l" defTabSz="668609" rtl="0" eaLnBrk="1" latinLnBrk="0" hangingPunct="1">
+      <a:lvl6pPr marL="1640777" indent="-149162" algn="l" defTabSz="596646" rtl="0" eaLnBrk="1" latinLnBrk="0" hangingPunct="1">
         <a:spcBef>
           <a:spcPct val="20000"/>
         </a:spcBef>
-        <a:buFont typeface="Arial" pitchFamily="34" charset="0"/>
+        <a:buFont typeface="Arial" panose="020B0604020202020204" pitchFamily="34" charset="0"/>
         <a:buChar char="•"/>
-        <a:defRPr sz="1500" kern="1200">
+        <a:defRPr sz="1300" kern="1200">
           <a:solidFill>
             <a:schemeClr val="tx1"/>
           </a:solidFill>
@@ -2938,13 +3375,13 @@
           <a:cs typeface="+mn-cs"/>
         </a:defRPr>
       </a:lvl6pPr>
-      <a:lvl7pPr marL="2172980" indent="-167152" algn="l" defTabSz="668609" rtl="0" eaLnBrk="1" latinLnBrk="0" hangingPunct="1">
+      <a:lvl7pPr marL="1939100" indent="-149162" algn="l" defTabSz="596646" rtl="0" eaLnBrk="1" latinLnBrk="0" hangingPunct="1">
         <a:spcBef>
           <a:spcPct val="20000"/>
         </a:spcBef>
-        <a:buFont typeface="Arial" pitchFamily="34" charset="0"/>
+        <a:buFont typeface="Arial" panose="020B0604020202020204" pitchFamily="34" charset="0"/>
         <a:buChar char="•"/>
-        <a:defRPr sz="1500" kern="1200">
+        <a:defRPr sz="1300" kern="1200">
           <a:solidFill>
             <a:schemeClr val="tx1"/>
           </a:solidFill>
@@ -2953,13 +3390,13 @@
           <a:cs typeface="+mn-cs"/>
         </a:defRPr>
       </a:lvl7pPr>
-      <a:lvl8pPr marL="2507285" indent="-167152" algn="l" defTabSz="668609" rtl="0" eaLnBrk="1" latinLnBrk="0" hangingPunct="1">
+      <a:lvl8pPr marL="2237423" indent="-149162" algn="l" defTabSz="596646" rtl="0" eaLnBrk="1" latinLnBrk="0" hangingPunct="1">
         <a:spcBef>
           <a:spcPct val="20000"/>
         </a:spcBef>
-        <a:buFont typeface="Arial" pitchFamily="34" charset="0"/>
+        <a:buFont typeface="Arial" panose="020B0604020202020204" pitchFamily="34" charset="0"/>
         <a:buChar char="•"/>
-        <a:defRPr sz="1500" kern="1200">
+        <a:defRPr sz="1300" kern="1200">
           <a:solidFill>
             <a:schemeClr val="tx1"/>
           </a:solidFill>
@@ -2968,13 +3405,13 @@
           <a:cs typeface="+mn-cs"/>
         </a:defRPr>
       </a:lvl8pPr>
-      <a:lvl9pPr marL="2841589" indent="-167152" algn="l" defTabSz="668609" rtl="0" eaLnBrk="1" latinLnBrk="0" hangingPunct="1">
+      <a:lvl9pPr marL="2535746" indent="-149162" algn="l" defTabSz="596646" rtl="0" eaLnBrk="1" latinLnBrk="0" hangingPunct="1">
         <a:spcBef>
           <a:spcPct val="20000"/>
         </a:spcBef>
-        <a:buFont typeface="Arial" pitchFamily="34" charset="0"/>
+        <a:buFont typeface="Arial" panose="020B0604020202020204" pitchFamily="34" charset="0"/>
         <a:buChar char="•"/>
-        <a:defRPr sz="1500" kern="1200">
+        <a:defRPr sz="1300" kern="1200">
           <a:solidFill>
             <a:schemeClr val="tx1"/>
           </a:solidFill>
@@ -2986,10 +3423,10 @@
     </p:bodyStyle>
     <p:otherStyle>
       <a:defPPr>
-        <a:defRPr lang="fr-FR"/>
+        <a:defRPr lang="en-US"/>
       </a:defPPr>
-      <a:lvl1pPr marL="0" algn="l" defTabSz="668609" rtl="0" eaLnBrk="1" latinLnBrk="0" hangingPunct="1">
-        <a:defRPr sz="1300" kern="1200">
+      <a:lvl1pPr marL="0" algn="l" defTabSz="596646" rtl="0" eaLnBrk="1" latinLnBrk="0" hangingPunct="1">
+        <a:defRPr sz="1200" kern="1200">
           <a:solidFill>
             <a:schemeClr val="tx1"/>
           </a:solidFill>
@@ -2998,8 +3435,8 @@
           <a:cs typeface="+mn-cs"/>
         </a:defRPr>
       </a:lvl1pPr>
-      <a:lvl2pPr marL="334305" algn="l" defTabSz="668609" rtl="0" eaLnBrk="1" latinLnBrk="0" hangingPunct="1">
-        <a:defRPr sz="1300" kern="1200">
+      <a:lvl2pPr marL="298323" algn="l" defTabSz="596646" rtl="0" eaLnBrk="1" latinLnBrk="0" hangingPunct="1">
+        <a:defRPr sz="1200" kern="1200">
           <a:solidFill>
             <a:schemeClr val="tx1"/>
           </a:solidFill>
@@ -3008,8 +3445,8 @@
           <a:cs typeface="+mn-cs"/>
         </a:defRPr>
       </a:lvl2pPr>
-      <a:lvl3pPr marL="668609" algn="l" defTabSz="668609" rtl="0" eaLnBrk="1" latinLnBrk="0" hangingPunct="1">
-        <a:defRPr sz="1300" kern="1200">
+      <a:lvl3pPr marL="596646" algn="l" defTabSz="596646" rtl="0" eaLnBrk="1" latinLnBrk="0" hangingPunct="1">
+        <a:defRPr sz="1200" kern="1200">
           <a:solidFill>
             <a:schemeClr val="tx1"/>
           </a:solidFill>
@@ -3018,8 +3455,8 @@
           <a:cs typeface="+mn-cs"/>
         </a:defRPr>
       </a:lvl3pPr>
-      <a:lvl4pPr marL="1002914" algn="l" defTabSz="668609" rtl="0" eaLnBrk="1" latinLnBrk="0" hangingPunct="1">
-        <a:defRPr sz="1300" kern="1200">
+      <a:lvl4pPr marL="894969" algn="l" defTabSz="596646" rtl="0" eaLnBrk="1" latinLnBrk="0" hangingPunct="1">
+        <a:defRPr sz="1200" kern="1200">
           <a:solidFill>
             <a:schemeClr val="tx1"/>
           </a:solidFill>
@@ -3028,8 +3465,8 @@
           <a:cs typeface="+mn-cs"/>
         </a:defRPr>
       </a:lvl4pPr>
-      <a:lvl5pPr marL="1337219" algn="l" defTabSz="668609" rtl="0" eaLnBrk="1" latinLnBrk="0" hangingPunct="1">
-        <a:defRPr sz="1300" kern="1200">
+      <a:lvl5pPr marL="1193292" algn="l" defTabSz="596646" rtl="0" eaLnBrk="1" latinLnBrk="0" hangingPunct="1">
+        <a:defRPr sz="1200" kern="1200">
           <a:solidFill>
             <a:schemeClr val="tx1"/>
           </a:solidFill>
@@ -3038,8 +3475,8 @@
           <a:cs typeface="+mn-cs"/>
         </a:defRPr>
       </a:lvl5pPr>
-      <a:lvl6pPr marL="1671523" algn="l" defTabSz="668609" rtl="0" eaLnBrk="1" latinLnBrk="0" hangingPunct="1">
-        <a:defRPr sz="1300" kern="1200">
+      <a:lvl6pPr marL="1491615" algn="l" defTabSz="596646" rtl="0" eaLnBrk="1" latinLnBrk="0" hangingPunct="1">
+        <a:defRPr sz="1200" kern="1200">
           <a:solidFill>
             <a:schemeClr val="tx1"/>
           </a:solidFill>
@@ -3048,8 +3485,8 @@
           <a:cs typeface="+mn-cs"/>
         </a:defRPr>
       </a:lvl6pPr>
-      <a:lvl7pPr marL="2005828" algn="l" defTabSz="668609" rtl="0" eaLnBrk="1" latinLnBrk="0" hangingPunct="1">
-        <a:defRPr sz="1300" kern="1200">
+      <a:lvl7pPr marL="1789938" algn="l" defTabSz="596646" rtl="0" eaLnBrk="1" latinLnBrk="0" hangingPunct="1">
+        <a:defRPr sz="1200" kern="1200">
           <a:solidFill>
             <a:schemeClr val="tx1"/>
           </a:solidFill>
@@ -3058,8 +3495,8 @@
           <a:cs typeface="+mn-cs"/>
         </a:defRPr>
       </a:lvl7pPr>
-      <a:lvl8pPr marL="2340132" algn="l" defTabSz="668609" rtl="0" eaLnBrk="1" latinLnBrk="0" hangingPunct="1">
-        <a:defRPr sz="1300" kern="1200">
+      <a:lvl8pPr marL="2088261" algn="l" defTabSz="596646" rtl="0" eaLnBrk="1" latinLnBrk="0" hangingPunct="1">
+        <a:defRPr sz="1200" kern="1200">
           <a:solidFill>
             <a:schemeClr val="tx1"/>
           </a:solidFill>
@@ -3068,8 +3505,8 @@
           <a:cs typeface="+mn-cs"/>
         </a:defRPr>
       </a:lvl8pPr>
-      <a:lvl9pPr marL="2674437" algn="l" defTabSz="668609" rtl="0" eaLnBrk="1" latinLnBrk="0" hangingPunct="1">
-        <a:defRPr sz="1300" kern="1200">
+      <a:lvl9pPr marL="2386584" algn="l" defTabSz="596646" rtl="0" eaLnBrk="1" latinLnBrk="0" hangingPunct="1">
+        <a:defRPr sz="1200" kern="1200">
           <a:solidFill>
             <a:schemeClr val="tx1"/>
           </a:solidFill>
@@ -3102,14 +3539,14 @@
       </p:grpSpPr>
       <p:pic>
         <p:nvPicPr>
-          <p:cNvPr id="17" name="Picture 5"/>
+          <p:cNvPr id="22" name="Picture 2"/>
           <p:cNvPicPr>
             <a:picLocks noChangeAspect="1" noChangeArrowheads="1"/>
           </p:cNvPicPr>
           <p:nvPr/>
         </p:nvPicPr>
         <p:blipFill>
-          <a:blip r:embed="rId2">
+          <a:blip r:embed="rId3" cstate="print">
             <a:extLst>
               <a:ext uri="{28A0092B-C50C-407E-A947-70E740481C1C}">
                 <a14:useLocalDpi xmlns:a14="http://schemas.microsoft.com/office/drawing/2010/main" val="0"/>
@@ -3123,8 +3560,8 @@
         </p:blipFill>
         <p:spPr bwMode="auto">
           <a:xfrm>
-            <a:off x="-71958" y="-153541"/>
-            <a:ext cx="4024313" cy="4614863"/>
+            <a:off x="2844522" y="-1559"/>
+            <a:ext cx="3528546" cy="3665982"/>
           </a:xfrm>
           <a:prstGeom prst="rect">
             <a:avLst/>
@@ -3133,7 +3570,6 @@
           <a:ln>
             <a:noFill/>
           </a:ln>
-          <a:effectLst/>
           <a:extLst>
             <a:ext uri="{909E8E84-426E-40DD-AFC4-6F175D3DCCD1}">
               <a14:hiddenFill xmlns:a14="http://schemas.microsoft.com/office/drawing/2010/main">
@@ -3152,43 +3588,68 @@
                 <a:tailEnd/>
               </a14:hiddenLine>
             </a:ext>
-            <a:ext uri="{AF507438-7753-43E0-B8FC-AC1667EBCBE1}">
-              <a14:hiddenEffects xmlns:a14="http://schemas.microsoft.com/office/drawing/2010/main">
-                <a:effectLst>
-                  <a:outerShdw dist="35921" dir="2700000" algn="ctr" rotWithShape="0">
-                    <a:schemeClr val="bg2"/>
-                  </a:outerShdw>
-                </a:effectLst>
-              </a14:hiddenEffects>
-            </a:ext>
           </a:extLst>
         </p:spPr>
       </p:pic>
+      <p:sp>
+        <p:nvSpPr>
+          <p:cNvPr id="23" name="ZoneTexte 22"/>
+          <p:cNvSpPr txBox="1"/>
+          <p:nvPr/>
+        </p:nvSpPr>
+        <p:spPr>
+          <a:xfrm>
+            <a:off x="2894762" y="-79993"/>
+            <a:ext cx="393056" cy="307777"/>
+          </a:xfrm>
+          <a:prstGeom prst="rect">
+            <a:avLst/>
+          </a:prstGeom>
+          <a:noFill/>
+        </p:spPr>
+        <p:txBody>
+          <a:bodyPr wrap="none" rtlCol="0">
+            <a:spAutoFit/>
+          </a:bodyPr>
+          <a:lstStyle/>
+          <a:p>
+            <a:r>
+              <a:rPr lang="fr-FR" sz="1400" dirty="0" smtClean="0">
+                <a:latin typeface="Times New Roman" panose="02020603050405020304" pitchFamily="18" charset="0"/>
+                <a:cs typeface="Times New Roman" panose="02020603050405020304" pitchFamily="18" charset="0"/>
+              </a:rPr>
+              <a:t>(b)</a:t>
+            </a:r>
+            <a:endParaRPr lang="en-US" sz="1400" dirty="0">
+              <a:latin typeface="Times New Roman" panose="02020603050405020304" pitchFamily="18" charset="0"/>
+              <a:cs typeface="Times New Roman" panose="02020603050405020304" pitchFamily="18" charset="0"/>
+            </a:endParaRPr>
+          </a:p>
+        </p:txBody>
+      </p:sp>
       <p:pic>
         <p:nvPicPr>
-          <p:cNvPr id="18" name="Picture 6"/>
+          <p:cNvPr id="24" name="Picture 2"/>
           <p:cNvPicPr>
             <a:picLocks noChangeAspect="1" noChangeArrowheads="1"/>
           </p:cNvPicPr>
           <p:nvPr/>
         </p:nvPicPr>
-        <p:blipFill>
-          <a:blip r:embed="rId3">
+        <p:blipFill rotWithShape="1">
+          <a:blip r:embed="rId4" cstate="print">
             <a:extLst>
               <a:ext uri="{28A0092B-C50C-407E-A947-70E740481C1C}">
                 <a14:useLocalDpi xmlns:a14="http://schemas.microsoft.com/office/drawing/2010/main" val="0"/>
               </a:ext>
             </a:extLst>
           </a:blip>
-          <a:srcRect/>
-          <a:stretch>
-            <a:fillRect/>
-          </a:stretch>
+          <a:srcRect l="4758" r="7689"/>
+          <a:stretch/>
         </p:blipFill>
         <p:spPr bwMode="auto">
           <a:xfrm>
-            <a:off x="3792289" y="-9525"/>
-            <a:ext cx="4308475" cy="4510087"/>
+            <a:off x="71321" y="-143991"/>
+            <a:ext cx="2917371" cy="3808413"/>
           </a:xfrm>
           <a:prstGeom prst="rect">
             <a:avLst/>
@@ -3197,7 +3658,6 @@
           <a:ln>
             <a:noFill/>
           </a:ln>
-          <a:effectLst/>
           <a:extLst>
             <a:ext uri="{909E8E84-426E-40DD-AFC4-6F175D3DCCD1}">
               <a14:hiddenFill xmlns:a14="http://schemas.microsoft.com/office/drawing/2010/main">
@@ -3216,28 +3676,19 @@
                 <a:tailEnd/>
               </a14:hiddenLine>
             </a:ext>
-            <a:ext uri="{AF507438-7753-43E0-B8FC-AC1667EBCBE1}">
-              <a14:hiddenEffects xmlns:a14="http://schemas.microsoft.com/office/drawing/2010/main">
-                <a:effectLst>
-                  <a:outerShdw dist="35921" dir="2700000" algn="ctr" rotWithShape="0">
-                    <a:schemeClr val="bg2"/>
-                  </a:outerShdw>
-                </a:effectLst>
-              </a14:hiddenEffects>
-            </a:ext>
           </a:extLst>
         </p:spPr>
       </p:pic>
       <p:sp>
         <p:nvSpPr>
-          <p:cNvPr id="19" name="ZoneTexte 18"/>
+          <p:cNvPr id="25" name="ZoneTexte 24"/>
           <p:cNvSpPr txBox="1"/>
           <p:nvPr/>
         </p:nvSpPr>
         <p:spPr>
           <a:xfrm>
-            <a:off x="-18107" y="78457"/>
-            <a:ext cx="526106" cy="461665"/>
+            <a:off x="-44742" y="-64276"/>
+            <a:ext cx="383438" cy="307777"/>
           </a:xfrm>
           <a:prstGeom prst="rect">
             <a:avLst/>
@@ -3251,51 +3702,15 @@
           <a:lstStyle/>
           <a:p>
             <a:r>
-              <a:rPr lang="fr-FR" sz="2400" dirty="0" smtClean="0">
-                <a:latin typeface="Times New Roman" pitchFamily="18" charset="0"/>
-                <a:cs typeface="Times New Roman" pitchFamily="18" charset="0"/>
+              <a:rPr lang="fr-FR" sz="1400" dirty="0" smtClean="0">
+                <a:latin typeface="Times New Roman" panose="02020603050405020304" pitchFamily="18" charset="0"/>
+                <a:cs typeface="Times New Roman" panose="02020603050405020304" pitchFamily="18" charset="0"/>
               </a:rPr>
               <a:t>(a)</a:t>
             </a:r>
-            <a:endParaRPr lang="fr-FR" sz="2400" dirty="0">
-              <a:latin typeface="Times New Roman" pitchFamily="18" charset="0"/>
-              <a:cs typeface="Times New Roman" pitchFamily="18" charset="0"/>
-            </a:endParaRPr>
-          </a:p>
-        </p:txBody>
-      </p:sp>
-      <p:sp>
-        <p:nvSpPr>
-          <p:cNvPr id="20" name="ZoneTexte 19"/>
-          <p:cNvSpPr txBox="1"/>
-          <p:nvPr/>
-        </p:nvSpPr>
-        <p:spPr>
-          <a:xfrm>
-            <a:off x="4626223" y="78457"/>
-            <a:ext cx="543739" cy="461665"/>
-          </a:xfrm>
-          <a:prstGeom prst="rect">
-            <a:avLst/>
-          </a:prstGeom>
-          <a:noFill/>
-        </p:spPr>
-        <p:txBody>
-          <a:bodyPr wrap="none" rtlCol="0">
-            <a:spAutoFit/>
-          </a:bodyPr>
-          <a:lstStyle/>
-          <a:p>
-            <a:r>
-              <a:rPr lang="fr-FR" sz="2400" dirty="0" smtClean="0">
-                <a:latin typeface="Times New Roman" pitchFamily="18" charset="0"/>
-                <a:cs typeface="Times New Roman" pitchFamily="18" charset="0"/>
-              </a:rPr>
-              <a:t>(b)</a:t>
-            </a:r>
-            <a:endParaRPr lang="fr-FR" sz="2400" dirty="0">
-              <a:latin typeface="Times New Roman" pitchFamily="18" charset="0"/>
-              <a:cs typeface="Times New Roman" pitchFamily="18" charset="0"/>
+            <a:endParaRPr lang="en-US" sz="1400" dirty="0">
+              <a:latin typeface="Times New Roman" panose="02020603050405020304" pitchFamily="18" charset="0"/>
+              <a:cs typeface="Times New Roman" panose="02020603050405020304" pitchFamily="18" charset="0"/>
             </a:endParaRPr>
           </a:p>
         </p:txBody>
@@ -3303,13 +3718,20 @@
     </p:spTree>
     <p:extLst>
       <p:ext uri="{BB962C8B-B14F-4D97-AF65-F5344CB8AC3E}">
-        <p14:creationId xmlns:p14="http://schemas.microsoft.com/office/powerpoint/2010/main" val="2463739618"/>
+        <p14:creationId xmlns:p14="http://schemas.microsoft.com/office/powerpoint/2010/main" val="3666327530"/>
       </p:ext>
     </p:extLst>
   </p:cSld>
   <p:clrMapOvr>
     <a:masterClrMapping/>
   </p:clrMapOvr>
+  <p:timing>
+    <p:tnLst>
+      <p:par>
+        <p:cTn id="1" dur="indefinite" restart="never" nodeType="tmRoot"/>
+      </p:par>
+    </p:tnLst>
+  </p:timing>
 </p:sld>
 </file>
 
@@ -3596,4 +4018,289 @@
   <a:objectDefaults/>
   <a:extraClrSchemeLst/>
 </a:theme>
+</file>
+
+<file path=ppt/theme/theme2.xml><?xml version="1.0" encoding="utf-8"?>
+<a:theme xmlns:a="http://schemas.openxmlformats.org/drawingml/2006/main" name="Thème Office">
+  <a:themeElements>
+    <a:clrScheme name="Office">
+      <a:dk1>
+        <a:sysClr val="windowText" lastClr="000000"/>
+      </a:dk1>
+      <a:lt1>
+        <a:sysClr val="window" lastClr="FFFFFF"/>
+      </a:lt1>
+      <a:dk2>
+        <a:srgbClr val="1F497D"/>
+      </a:dk2>
+      <a:lt2>
+        <a:srgbClr val="EEECE1"/>
+      </a:lt2>
+      <a:accent1>
+        <a:srgbClr val="4F81BD"/>
+      </a:accent1>
+      <a:accent2>
+        <a:srgbClr val="C0504D"/>
+      </a:accent2>
+      <a:accent3>
+        <a:srgbClr val="9BBB59"/>
+      </a:accent3>
+      <a:accent4>
+        <a:srgbClr val="8064A2"/>
+      </a:accent4>
+      <a:accent5>
+        <a:srgbClr val="4BACC6"/>
+      </a:accent5>
+      <a:accent6>
+        <a:srgbClr val="F79646"/>
+      </a:accent6>
+      <a:hlink>
+        <a:srgbClr val="0000FF"/>
+      </a:hlink>
+      <a:folHlink>
+        <a:srgbClr val="800080"/>
+      </a:folHlink>
+    </a:clrScheme>
+    <a:fontScheme name="Office">
+      <a:majorFont>
+        <a:latin typeface="Calibri"/>
+        <a:ea typeface=""/>
+        <a:cs typeface=""/>
+        <a:font script="Jpan" typeface="ＭＳ Ｐゴシック"/>
+        <a:font script="Hang" typeface="맑은 고딕"/>
+        <a:font script="Hans" typeface="宋体"/>
+        <a:font script="Hant" typeface="新細明體"/>
+        <a:font script="Arab" typeface="Times New Roman"/>
+        <a:font script="Hebr" typeface="Times New Roman"/>
+        <a:font script="Thai" typeface="Angsana New"/>
+        <a:font script="Ethi" typeface="Nyala"/>
+        <a:font script="Beng" typeface="Vrinda"/>
+        <a:font script="Gujr" typeface="Shruti"/>
+        <a:font script="Khmr" typeface="MoolBoran"/>
+        <a:font script="Knda" typeface="Tunga"/>
+        <a:font script="Guru" typeface="Raavi"/>
+        <a:font script="Cans" typeface="Euphemia"/>
+        <a:font script="Cher" typeface="Plantagenet Cherokee"/>
+        <a:font script="Yiii" typeface="Microsoft Yi Baiti"/>
+        <a:font script="Tibt" typeface="Microsoft Himalaya"/>
+        <a:font script="Thaa" typeface="MV Boli"/>
+        <a:font script="Deva" typeface="Mangal"/>
+        <a:font script="Telu" typeface="Gautami"/>
+        <a:font script="Taml" typeface="Latha"/>
+        <a:font script="Syrc" typeface="Estrangelo Edessa"/>
+        <a:font script="Orya" typeface="Kalinga"/>
+        <a:font script="Mlym" typeface="Kartika"/>
+        <a:font script="Laoo" typeface="DokChampa"/>
+        <a:font script="Sinh" typeface="Iskoola Pota"/>
+        <a:font script="Mong" typeface="Mongolian Baiti"/>
+        <a:font script="Viet" typeface="Times New Roman"/>
+        <a:font script="Uigh" typeface="Microsoft Uighur"/>
+        <a:font script="Geor" typeface="Sylfaen"/>
+      </a:majorFont>
+      <a:minorFont>
+        <a:latin typeface="Calibri"/>
+        <a:ea typeface=""/>
+        <a:cs typeface=""/>
+        <a:font script="Jpan" typeface="ＭＳ Ｐゴシック"/>
+        <a:font script="Hang" typeface="맑은 고딕"/>
+        <a:font script="Hans" typeface="宋体"/>
+        <a:font script="Hant" typeface="新細明體"/>
+        <a:font script="Arab" typeface="Arial"/>
+        <a:font script="Hebr" typeface="Arial"/>
+        <a:font script="Thai" typeface="Cordia New"/>
+        <a:font script="Ethi" typeface="Nyala"/>
+        <a:font script="Beng" typeface="Vrinda"/>
+        <a:font script="Gujr" typeface="Shruti"/>
+        <a:font script="Khmr" typeface="DaunPenh"/>
+        <a:font script="Knda" typeface="Tunga"/>
+        <a:font script="Guru" typeface="Raavi"/>
+        <a:font script="Cans" typeface="Euphemia"/>
+        <a:font script="Cher" typeface="Plantagenet Cherokee"/>
+        <a:font script="Yiii" typeface="Microsoft Yi Baiti"/>
+        <a:font script="Tibt" typeface="Microsoft Himalaya"/>
+        <a:font script="Thaa" typeface="MV Boli"/>
+        <a:font script="Deva" typeface="Mangal"/>
+        <a:font script="Telu" typeface="Gautami"/>
+        <a:font script="Taml" typeface="Latha"/>
+        <a:font script="Syrc" typeface="Estrangelo Edessa"/>
+        <a:font script="Orya" typeface="Kalinga"/>
+        <a:font script="Mlym" typeface="Kartika"/>
+        <a:font script="Laoo" typeface="DokChampa"/>
+        <a:font script="Sinh" typeface="Iskoola Pota"/>
+        <a:font script="Mong" typeface="Mongolian Baiti"/>
+        <a:font script="Viet" typeface="Arial"/>
+        <a:font script="Uigh" typeface="Microsoft Uighur"/>
+        <a:font script="Geor" typeface="Sylfaen"/>
+      </a:minorFont>
+    </a:fontScheme>
+    <a:fmtScheme name="Office">
+      <a:fillStyleLst>
+        <a:solidFill>
+          <a:schemeClr val="phClr"/>
+        </a:solidFill>
+        <a:gradFill rotWithShape="1">
+          <a:gsLst>
+            <a:gs pos="0">
+              <a:schemeClr val="phClr">
+                <a:tint val="50000"/>
+                <a:satMod val="300000"/>
+              </a:schemeClr>
+            </a:gs>
+            <a:gs pos="35000">
+              <a:schemeClr val="phClr">
+                <a:tint val="37000"/>
+                <a:satMod val="300000"/>
+              </a:schemeClr>
+            </a:gs>
+            <a:gs pos="100000">
+              <a:schemeClr val="phClr">
+                <a:tint val="15000"/>
+                <a:satMod val="350000"/>
+              </a:schemeClr>
+            </a:gs>
+          </a:gsLst>
+          <a:lin ang="16200000" scaled="1"/>
+        </a:gradFill>
+        <a:gradFill rotWithShape="1">
+          <a:gsLst>
+            <a:gs pos="0">
+              <a:schemeClr val="phClr">
+                <a:shade val="51000"/>
+                <a:satMod val="130000"/>
+              </a:schemeClr>
+            </a:gs>
+            <a:gs pos="80000">
+              <a:schemeClr val="phClr">
+                <a:shade val="93000"/>
+                <a:satMod val="130000"/>
+              </a:schemeClr>
+            </a:gs>
+            <a:gs pos="100000">
+              <a:schemeClr val="phClr">
+                <a:shade val="94000"/>
+                <a:satMod val="135000"/>
+              </a:schemeClr>
+            </a:gs>
+          </a:gsLst>
+          <a:lin ang="16200000" scaled="0"/>
+        </a:gradFill>
+      </a:fillStyleLst>
+      <a:lnStyleLst>
+        <a:ln w="9525" cap="flat" cmpd="sng" algn="ctr">
+          <a:solidFill>
+            <a:schemeClr val="phClr">
+              <a:shade val="95000"/>
+              <a:satMod val="105000"/>
+            </a:schemeClr>
+          </a:solidFill>
+          <a:prstDash val="solid"/>
+        </a:ln>
+        <a:ln w="25400" cap="flat" cmpd="sng" algn="ctr">
+          <a:solidFill>
+            <a:schemeClr val="phClr"/>
+          </a:solidFill>
+          <a:prstDash val="solid"/>
+        </a:ln>
+        <a:ln w="38100" cap="flat" cmpd="sng" algn="ctr">
+          <a:solidFill>
+            <a:schemeClr val="phClr"/>
+          </a:solidFill>
+          <a:prstDash val="solid"/>
+        </a:ln>
+      </a:lnStyleLst>
+      <a:effectStyleLst>
+        <a:effectStyle>
+          <a:effectLst>
+            <a:outerShdw blurRad="40000" dist="20000" dir="5400000" rotWithShape="0">
+              <a:srgbClr val="000000">
+                <a:alpha val="38000"/>
+              </a:srgbClr>
+            </a:outerShdw>
+          </a:effectLst>
+        </a:effectStyle>
+        <a:effectStyle>
+          <a:effectLst>
+            <a:outerShdw blurRad="40000" dist="23000" dir="5400000" rotWithShape="0">
+              <a:srgbClr val="000000">
+                <a:alpha val="35000"/>
+              </a:srgbClr>
+            </a:outerShdw>
+          </a:effectLst>
+        </a:effectStyle>
+        <a:effectStyle>
+          <a:effectLst>
+            <a:outerShdw blurRad="40000" dist="23000" dir="5400000" rotWithShape="0">
+              <a:srgbClr val="000000">
+                <a:alpha val="35000"/>
+              </a:srgbClr>
+            </a:outerShdw>
+          </a:effectLst>
+          <a:scene3d>
+            <a:camera prst="orthographicFront">
+              <a:rot lat="0" lon="0" rev="0"/>
+            </a:camera>
+            <a:lightRig rig="threePt" dir="t">
+              <a:rot lat="0" lon="0" rev="1200000"/>
+            </a:lightRig>
+          </a:scene3d>
+          <a:sp3d>
+            <a:bevelT w="63500" h="25400"/>
+          </a:sp3d>
+        </a:effectStyle>
+      </a:effectStyleLst>
+      <a:bgFillStyleLst>
+        <a:solidFill>
+          <a:schemeClr val="phClr"/>
+        </a:solidFill>
+        <a:gradFill rotWithShape="1">
+          <a:gsLst>
+            <a:gs pos="0">
+              <a:schemeClr val="phClr">
+                <a:tint val="40000"/>
+                <a:satMod val="350000"/>
+              </a:schemeClr>
+            </a:gs>
+            <a:gs pos="40000">
+              <a:schemeClr val="phClr">
+                <a:tint val="45000"/>
+                <a:shade val="99000"/>
+                <a:satMod val="350000"/>
+              </a:schemeClr>
+            </a:gs>
+            <a:gs pos="100000">
+              <a:schemeClr val="phClr">
+                <a:shade val="20000"/>
+                <a:satMod val="255000"/>
+              </a:schemeClr>
+            </a:gs>
+          </a:gsLst>
+          <a:path path="circle">
+            <a:fillToRect l="50000" t="-80000" r="50000" b="180000"/>
+          </a:path>
+        </a:gradFill>
+        <a:gradFill rotWithShape="1">
+          <a:gsLst>
+            <a:gs pos="0">
+              <a:schemeClr val="phClr">
+                <a:tint val="80000"/>
+                <a:satMod val="300000"/>
+              </a:schemeClr>
+            </a:gs>
+            <a:gs pos="100000">
+              <a:schemeClr val="phClr">
+                <a:shade val="30000"/>
+                <a:satMod val="200000"/>
+              </a:schemeClr>
+            </a:gs>
+          </a:gsLst>
+          <a:path path="circle">
+            <a:fillToRect l="50000" t="50000" r="50000" b="50000"/>
+          </a:path>
+        </a:gradFill>
+      </a:bgFillStyleLst>
+    </a:fmtScheme>
+  </a:themeElements>
+  <a:objectDefaults/>
+  <a:extraClrSchemeLst/>
+</a:theme>
 </file>